--- a/Lecture Slides/03-Components.pptx
+++ b/Lecture Slides/03-Components.pptx
@@ -5,49 +5,54 @@
     <p:sldMasterId id="2147483648" r:id="rId1"/>
   </p:sldMasterIdLst>
   <p:notesMasterIdLst>
-    <p:notesMasterId r:id="rId42"/>
+    <p:notesMasterId r:id="rId47"/>
   </p:notesMasterIdLst>
   <p:sldIdLst>
-    <p:sldId id="256" r:id="rId2"/>
-    <p:sldId id="257" r:id="rId3"/>
-    <p:sldId id="260" r:id="rId4"/>
-    <p:sldId id="266" r:id="rId5"/>
-    <p:sldId id="267" r:id="rId6"/>
-    <p:sldId id="269" r:id="rId7"/>
-    <p:sldId id="268" r:id="rId8"/>
-    <p:sldId id="270" r:id="rId9"/>
-    <p:sldId id="271" r:id="rId10"/>
-    <p:sldId id="315" r:id="rId11"/>
-    <p:sldId id="316" r:id="rId12"/>
-    <p:sldId id="317" r:id="rId13"/>
-    <p:sldId id="318" r:id="rId14"/>
-    <p:sldId id="262" r:id="rId15"/>
-    <p:sldId id="263" r:id="rId16"/>
-    <p:sldId id="264" r:id="rId17"/>
-    <p:sldId id="265" r:id="rId18"/>
-    <p:sldId id="293" r:id="rId19"/>
-    <p:sldId id="294" r:id="rId20"/>
-    <p:sldId id="295" r:id="rId21"/>
-    <p:sldId id="296" r:id="rId22"/>
-    <p:sldId id="297" r:id="rId23"/>
-    <p:sldId id="298" r:id="rId24"/>
-    <p:sldId id="299" r:id="rId25"/>
-    <p:sldId id="300" r:id="rId26"/>
-    <p:sldId id="301" r:id="rId27"/>
-    <p:sldId id="302" r:id="rId28"/>
-    <p:sldId id="303" r:id="rId29"/>
-    <p:sldId id="304" r:id="rId30"/>
-    <p:sldId id="305" r:id="rId31"/>
-    <p:sldId id="306" r:id="rId32"/>
-    <p:sldId id="307" r:id="rId33"/>
-    <p:sldId id="308" r:id="rId34"/>
-    <p:sldId id="309" r:id="rId35"/>
-    <p:sldId id="310" r:id="rId36"/>
-    <p:sldId id="312" r:id="rId37"/>
-    <p:sldId id="313" r:id="rId38"/>
-    <p:sldId id="314" r:id="rId39"/>
-    <p:sldId id="320" r:id="rId40"/>
-    <p:sldId id="319" r:id="rId41"/>
+    <p:sldId id="325" r:id="rId2"/>
+    <p:sldId id="256" r:id="rId3"/>
+    <p:sldId id="257" r:id="rId4"/>
+    <p:sldId id="260" r:id="rId5"/>
+    <p:sldId id="266" r:id="rId6"/>
+    <p:sldId id="267" r:id="rId7"/>
+    <p:sldId id="269" r:id="rId8"/>
+    <p:sldId id="268" r:id="rId9"/>
+    <p:sldId id="270" r:id="rId10"/>
+    <p:sldId id="321" r:id="rId11"/>
+    <p:sldId id="322" r:id="rId12"/>
+    <p:sldId id="271" r:id="rId13"/>
+    <p:sldId id="315" r:id="rId14"/>
+    <p:sldId id="316" r:id="rId15"/>
+    <p:sldId id="317" r:id="rId16"/>
+    <p:sldId id="318" r:id="rId17"/>
+    <p:sldId id="323" r:id="rId18"/>
+    <p:sldId id="324" r:id="rId19"/>
+    <p:sldId id="262" r:id="rId20"/>
+    <p:sldId id="263" r:id="rId21"/>
+    <p:sldId id="264" r:id="rId22"/>
+    <p:sldId id="265" r:id="rId23"/>
+    <p:sldId id="326" r:id="rId24"/>
+    <p:sldId id="293" r:id="rId25"/>
+    <p:sldId id="294" r:id="rId26"/>
+    <p:sldId id="295" r:id="rId27"/>
+    <p:sldId id="296" r:id="rId28"/>
+    <p:sldId id="297" r:id="rId29"/>
+    <p:sldId id="298" r:id="rId30"/>
+    <p:sldId id="299" r:id="rId31"/>
+    <p:sldId id="300" r:id="rId32"/>
+    <p:sldId id="301" r:id="rId33"/>
+    <p:sldId id="302" r:id="rId34"/>
+    <p:sldId id="303" r:id="rId35"/>
+    <p:sldId id="304" r:id="rId36"/>
+    <p:sldId id="305" r:id="rId37"/>
+    <p:sldId id="306" r:id="rId38"/>
+    <p:sldId id="307" r:id="rId39"/>
+    <p:sldId id="308" r:id="rId40"/>
+    <p:sldId id="309" r:id="rId41"/>
+    <p:sldId id="310" r:id="rId42"/>
+    <p:sldId id="312" r:id="rId43"/>
+    <p:sldId id="313" r:id="rId44"/>
+    <p:sldId id="314" r:id="rId45"/>
+    <p:sldId id="320" r:id="rId46"/>
   </p:sldIdLst>
   <p:sldSz cx="9144000" cy="6858000" type="screen4x3"/>
   <p:notesSz cx="6858000" cy="9144000"/>
@@ -231,7 +236,7 @@
           <a:p>
             <a:fld id="{6047C4F8-16F2-034F-B62C-E7DA00D65955}" type="datetimeFigureOut">
               <a:rPr lang="en-US" smtClean="0"/>
-              <a:t>4/7/15</a:t>
+              <a:t>4/5/16</a:t>
             </a:fld>
             <a:endParaRPr lang="en-US"/>
           </a:p>
@@ -499,6 +504,84 @@
 </p:notesMaster>
 </file>
 
+<file path=ppt/notesSlides/notesSlide1.xml><?xml version="1.0" encoding="utf-8"?>
+<p:notes xmlns:a="http://schemas.openxmlformats.org/drawingml/2006/main" xmlns:r="http://schemas.openxmlformats.org/officeDocument/2006/relationships" xmlns:p="http://schemas.openxmlformats.org/presentationml/2006/main">
+  <p:cSld>
+    <p:spTree>
+      <p:nvGrpSpPr>
+        <p:cNvPr id="1" name=""/>
+        <p:cNvGrpSpPr/>
+        <p:nvPr/>
+      </p:nvGrpSpPr>
+      <p:grpSpPr>
+        <a:xfrm>
+          <a:off x="0" y="0"/>
+          <a:ext cx="0" cy="0"/>
+          <a:chOff x="0" y="0"/>
+          <a:chExt cx="0" cy="0"/>
+        </a:xfrm>
+      </p:grpSpPr>
+      <p:sp>
+        <p:nvSpPr>
+          <p:cNvPr id="64" name="Shape 64"/>
+          <p:cNvSpPr>
+            <a:spLocks noGrp="1" noRot="1" noChangeAspect="1"/>
+          </p:cNvSpPr>
+          <p:nvPr>
+            <p:ph type="sldImg"/>
+          </p:nvPr>
+        </p:nvSpPr>
+        <p:spPr>
+          <a:prstGeom prst="rect">
+            <a:avLst/>
+          </a:prstGeom>
+        </p:spPr>
+        <p:txBody>
+          <a:bodyPr/>
+          <a:lstStyle/>
+          <a:p>
+            <a:pPr lvl="0"/>
+            <a:endParaRPr/>
+          </a:p>
+        </p:txBody>
+      </p:sp>
+      <p:sp>
+        <p:nvSpPr>
+          <p:cNvPr id="65" name="Shape 65"/>
+          <p:cNvSpPr>
+            <a:spLocks noGrp="1"/>
+          </p:cNvSpPr>
+          <p:nvPr>
+            <p:ph type="body" sz="quarter" idx="1"/>
+          </p:nvPr>
+        </p:nvSpPr>
+        <p:spPr>
+          <a:prstGeom prst="rect">
+            <a:avLst/>
+          </a:prstGeom>
+        </p:spPr>
+        <p:txBody>
+          <a:bodyPr/>
+          <a:lstStyle/>
+          <a:p>
+            <a:pPr lvl="0">
+              <a:defRPr sz="1800"/>
+            </a:pPr>
+            <a:r>
+              <a:rPr sz="2400"/>
+              <a:t>Engineers have weird terms for everything.  Masters and Slaves.  Zombie children, Victim blocks, Evicting cache lines etc.</a:t>
+            </a:r>
+          </a:p>
+        </p:txBody>
+      </p:sp>
+    </p:spTree>
+  </p:cSld>
+  <p:clrMapOvr>
+    <a:masterClrMapping/>
+  </p:clrMapOvr>
+</p:notes>
+</file>
+
 <file path=ppt/slideLayouts/slideLayout1.xml><?xml version="1.0" encoding="utf-8"?>
 <p:sldLayout xmlns:a="http://schemas.openxmlformats.org/drawingml/2006/main" xmlns:r="http://schemas.openxmlformats.org/officeDocument/2006/relationships" xmlns:p="http://schemas.openxmlformats.org/presentationml/2006/main" type="title" preserve="1">
   <p:cSld name="Title Slide">
@@ -680,7 +763,7 @@
           <a:p>
             <a:fld id="{D7CD8825-7C65-DE49-B151-1F6315860DA4}" type="datetimeFigureOut">
               <a:rPr lang="en-US" smtClean="0"/>
-              <a:t>4/7/15</a:t>
+              <a:t>4/5/16</a:t>
             </a:fld>
             <a:endParaRPr lang="en-US"/>
           </a:p>
@@ -850,7 +933,7 @@
           <a:p>
             <a:fld id="{D7CD8825-7C65-DE49-B151-1F6315860DA4}" type="datetimeFigureOut">
               <a:rPr lang="en-US" smtClean="0"/>
-              <a:t>4/7/15</a:t>
+              <a:t>4/5/16</a:t>
             </a:fld>
             <a:endParaRPr lang="en-US"/>
           </a:p>
@@ -1030,7 +1113,7 @@
           <a:p>
             <a:fld id="{D7CD8825-7C65-DE49-B151-1F6315860DA4}" type="datetimeFigureOut">
               <a:rPr lang="en-US" smtClean="0"/>
-              <a:t>4/7/15</a:t>
+              <a:t>4/5/16</a:t>
             </a:fld>
             <a:endParaRPr lang="en-US"/>
           </a:p>
@@ -1369,6 +1452,80 @@
 </p:sldLayout>
 </file>
 
+<file path=ppt/slideLayouts/slideLayout13.xml><?xml version="1.0" encoding="utf-8"?>
+<p:sldLayout xmlns:a="http://schemas.openxmlformats.org/drawingml/2006/main" xmlns:r="http://schemas.openxmlformats.org/officeDocument/2006/relationships" xmlns:p="http://schemas.openxmlformats.org/presentationml/2006/main" type="tx">
+  <p:cSld name="Title - Top">
+    <p:spTree>
+      <p:nvGrpSpPr>
+        <p:cNvPr id="1" name=""/>
+        <p:cNvGrpSpPr/>
+        <p:nvPr/>
+      </p:nvGrpSpPr>
+      <p:grpSpPr>
+        <a:xfrm>
+          <a:off x="0" y="0"/>
+          <a:ext cx="0" cy="0"/>
+          <a:chOff x="0" y="0"/>
+          <a:chExt cx="0" cy="0"/>
+        </a:xfrm>
+      </p:grpSpPr>
+      <p:sp>
+        <p:nvSpPr>
+          <p:cNvPr id="16" name="Shape 16"/>
+          <p:cNvSpPr>
+            <a:spLocks noGrp="1"/>
+          </p:cNvSpPr>
+          <p:nvPr>
+            <p:ph type="title"/>
+          </p:nvPr>
+        </p:nvSpPr>
+        <p:spPr>
+          <a:prstGeom prst="rect">
+            <a:avLst/>
+          </a:prstGeom>
+        </p:spPr>
+        <p:txBody>
+          <a:bodyPr/>
+          <a:lstStyle/>
+          <a:p>
+            <a:pPr lvl="0">
+              <a:defRPr sz="1800" b="0">
+                <a:solidFill>
+                  <a:srgbClr val="000000"/>
+                </a:solidFill>
+                <a:effectLst/>
+              </a:defRPr>
+            </a:pPr>
+            <a:r>
+              <a:rPr sz="4500" b="1">
+                <a:solidFill>
+                  <a:srgbClr val="FFFFFF"/>
+                </a:solidFill>
+                <a:effectLst>
+                  <a:outerShdw blurRad="50800" dist="25400" dir="5400000" rotWithShape="0">
+                    <a:srgbClr val="000000"/>
+                  </a:outerShdw>
+                </a:effectLst>
+              </a:rPr>
+              <a:t>Title Text</a:t>
+            </a:r>
+          </a:p>
+        </p:txBody>
+      </p:sp>
+    </p:spTree>
+    <p:extLst>
+      <p:ext uri="{BB962C8B-B14F-4D97-AF65-F5344CB8AC3E}">
+        <p14:creationId xmlns:p14="http://schemas.microsoft.com/office/powerpoint/2010/main" val="1331171823"/>
+      </p:ext>
+    </p:extLst>
+  </p:cSld>
+  <p:clrMapOvr>
+    <a:masterClrMapping/>
+  </p:clrMapOvr>
+  <p:transition xmlns:p14="http://schemas.microsoft.com/office/powerpoint/2010/main" spd="med"/>
+</p:sldLayout>
+</file>
+
 <file path=ppt/slideLayouts/slideLayout2.xml><?xml version="1.0" encoding="utf-8"?>
 <p:sldLayout xmlns:a="http://schemas.openxmlformats.org/drawingml/2006/main" xmlns:r="http://schemas.openxmlformats.org/officeDocument/2006/relationships" xmlns:p="http://schemas.openxmlformats.org/presentationml/2006/main" type="obj" preserve="1">
   <p:cSld name="Title and Content">
@@ -1478,7 +1635,7 @@
           <a:p>
             <a:fld id="{D7CD8825-7C65-DE49-B151-1F6315860DA4}" type="datetimeFigureOut">
               <a:rPr lang="en-US" smtClean="0"/>
-              <a:t>4/7/15</a:t>
+              <a:t>4/5/16</a:t>
             </a:fld>
             <a:endParaRPr lang="en-US"/>
           </a:p>
@@ -1724,7 +1881,7 @@
           <a:p>
             <a:fld id="{D7CD8825-7C65-DE49-B151-1F6315860DA4}" type="datetimeFigureOut">
               <a:rPr lang="en-US" smtClean="0"/>
-              <a:t>4/7/15</a:t>
+              <a:t>4/5/16</a:t>
             </a:fld>
             <a:endParaRPr lang="en-US"/>
           </a:p>
@@ -2012,7 +2169,7 @@
           <a:p>
             <a:fld id="{D7CD8825-7C65-DE49-B151-1F6315860DA4}" type="datetimeFigureOut">
               <a:rPr lang="en-US" smtClean="0"/>
-              <a:t>4/7/15</a:t>
+              <a:t>4/5/16</a:t>
             </a:fld>
             <a:endParaRPr lang="en-US"/>
           </a:p>
@@ -2434,7 +2591,7 @@
           <a:p>
             <a:fld id="{D7CD8825-7C65-DE49-B151-1F6315860DA4}" type="datetimeFigureOut">
               <a:rPr lang="en-US" smtClean="0"/>
-              <a:t>4/7/15</a:t>
+              <a:t>4/5/16</a:t>
             </a:fld>
             <a:endParaRPr lang="en-US"/>
           </a:p>
@@ -2552,7 +2709,7 @@
           <a:p>
             <a:fld id="{D7CD8825-7C65-DE49-B151-1F6315860DA4}" type="datetimeFigureOut">
               <a:rPr lang="en-US" smtClean="0"/>
-              <a:t>4/7/15</a:t>
+              <a:t>4/5/16</a:t>
             </a:fld>
             <a:endParaRPr lang="en-US"/>
           </a:p>
@@ -2647,7 +2804,7 @@
           <a:p>
             <a:fld id="{D7CD8825-7C65-DE49-B151-1F6315860DA4}" type="datetimeFigureOut">
               <a:rPr lang="en-US" smtClean="0"/>
-              <a:t>4/7/15</a:t>
+              <a:t>4/5/16</a:t>
             </a:fld>
             <a:endParaRPr lang="en-US"/>
           </a:p>
@@ -2924,7 +3081,7 @@
           <a:p>
             <a:fld id="{D7CD8825-7C65-DE49-B151-1F6315860DA4}" type="datetimeFigureOut">
               <a:rPr lang="en-US" smtClean="0"/>
-              <a:t>4/7/15</a:t>
+              <a:t>4/5/16</a:t>
             </a:fld>
             <a:endParaRPr lang="en-US"/>
           </a:p>
@@ -3177,7 +3334,7 @@
           <a:p>
             <a:fld id="{D7CD8825-7C65-DE49-B151-1F6315860DA4}" type="datetimeFigureOut">
               <a:rPr lang="en-US" smtClean="0"/>
-              <a:t>4/7/15</a:t>
+              <a:t>4/5/16</a:t>
             </a:fld>
             <a:endParaRPr lang="en-US"/>
           </a:p>
@@ -3390,7 +3547,7 @@
           <a:p>
             <a:fld id="{D7CD8825-7C65-DE49-B151-1F6315860DA4}" type="datetimeFigureOut">
               <a:rPr lang="en-US" smtClean="0"/>
-              <a:t>4/7/15</a:t>
+              <a:t>4/5/16</a:t>
             </a:fld>
             <a:endParaRPr lang="en-US"/>
           </a:p>
@@ -3495,6 +3652,7 @@
     <p:sldLayoutId id="2147483658" r:id="rId10"/>
     <p:sldLayoutId id="2147483659" r:id="rId11"/>
     <p:sldLayoutId id="2147483660" r:id="rId12"/>
+    <p:sldLayoutId id="2147483661" r:id="rId13"/>
   </p:sldLayoutIdLst>
   <p:txStyles>
     <p:titleStyle>
@@ -3773,7 +3931,7 @@
             <a:spLocks noGrp="1"/>
           </p:cNvSpPr>
           <p:nvPr>
-            <p:ph type="ctrTitle"/>
+            <p:ph type="title"/>
           </p:nvPr>
         </p:nvSpPr>
         <p:spPr/>
@@ -3783,23 +3941,20 @@
           <a:p>
             <a:r>
               <a:rPr lang="en-US" dirty="0" smtClean="0"/>
-              <a:t>Lab 3: </a:t>
-            </a:r>
-            <a:r>
-              <a:rPr lang="en-US" dirty="0"/>
-              <a:t>The IMU, The Gimbals, and the Motor</a:t>
-            </a:r>
-          </a:p>
-        </p:txBody>
-      </p:sp>
-      <p:sp>
-        <p:nvSpPr>
-          <p:cNvPr id="3" name="Subtitle 2"/>
-          <p:cNvSpPr>
-            <a:spLocks noGrp="1"/>
-          </p:cNvSpPr>
-          <p:nvPr>
-            <p:ph type="subTitle" idx="1"/>
+              <a:t>Lab Hours</a:t>
+            </a:r>
+            <a:endParaRPr lang="en-US" dirty="0"/>
+          </a:p>
+        </p:txBody>
+      </p:sp>
+      <p:sp>
+        <p:nvSpPr>
+          <p:cNvPr id="3" name="Content Placeholder 2"/>
+          <p:cNvSpPr>
+            <a:spLocks noGrp="1"/>
+          </p:cNvSpPr>
+          <p:nvPr>
+            <p:ph idx="1"/>
           </p:nvPr>
         </p:nvSpPr>
         <p:spPr/>
@@ -3809,20 +3964,27 @@
           <a:p>
             <a:r>
               <a:rPr lang="en-US" dirty="0" smtClean="0"/>
-              <a:t>Due midnight, April 14</a:t>
-            </a:r>
-            <a:r>
-              <a:rPr lang="en-US" baseline="30000" dirty="0" smtClean="0"/>
-              <a:t>th</a:t>
-            </a:r>
-            <a:endParaRPr lang="en-US" dirty="0"/>
+              <a:t>Monday 6-9</a:t>
+            </a:r>
+          </a:p>
+          <a:p>
+            <a:r>
+              <a:rPr lang="en-US" dirty="0" smtClean="0"/>
+              <a:t>Thursday 12-2.</a:t>
+            </a:r>
+          </a:p>
+          <a:p>
+            <a:r>
+              <a:rPr lang="en-US" dirty="0" smtClean="0"/>
+              <a:t>Thursday 3:30-5</a:t>
+            </a:r>
           </a:p>
         </p:txBody>
       </p:sp>
     </p:spTree>
     <p:extLst>
       <p:ext uri="{BB962C8B-B14F-4D97-AF65-F5344CB8AC3E}">
-        <p14:creationId xmlns:p14="http://schemas.microsoft.com/office/powerpoint/2010/main" val="2162257141"/>
+        <p14:creationId xmlns:p14="http://schemas.microsoft.com/office/powerpoint/2010/main" val="1972288613"/>
       </p:ext>
     </p:extLst>
   </p:cSld>
@@ -3840,6 +4002,929 @@
 </file>
 
 <file path=ppt/slides/slide10.xml><?xml version="1.0" encoding="utf-8"?>
+<p:sld xmlns:a="http://schemas.openxmlformats.org/drawingml/2006/main" xmlns:r="http://schemas.openxmlformats.org/officeDocument/2006/relationships" xmlns:p="http://schemas.openxmlformats.org/presentationml/2006/main">
+  <p:cSld>
+    <p:spTree>
+      <p:nvGrpSpPr>
+        <p:cNvPr id="1" name=""/>
+        <p:cNvGrpSpPr/>
+        <p:nvPr/>
+      </p:nvGrpSpPr>
+      <p:grpSpPr>
+        <a:xfrm>
+          <a:off x="0" y="0"/>
+          <a:ext cx="0" cy="0"/>
+          <a:chOff x="0" y="0"/>
+          <a:chExt cx="0" cy="0"/>
+        </a:xfrm>
+      </p:grpSpPr>
+      <p:sp>
+        <p:nvSpPr>
+          <p:cNvPr id="55" name="Shape 55"/>
+          <p:cNvSpPr>
+            <a:spLocks noGrp="1"/>
+          </p:cNvSpPr>
+          <p:nvPr>
+            <p:ph type="title"/>
+          </p:nvPr>
+        </p:nvSpPr>
+        <p:spPr/>
+        <p:txBody>
+          <a:bodyPr/>
+          <a:lstStyle/>
+          <a:p>
+            <a:pPr lvl="0"/>
+            <a:r>
+              <a:rPr lang="en-US" smtClean="0"/>
+              <a:t>Masters and Slaves</a:t>
+            </a:r>
+            <a:endParaRPr lang="en-US"/>
+          </a:p>
+        </p:txBody>
+      </p:sp>
+      <p:sp>
+        <p:nvSpPr>
+          <p:cNvPr id="62" name="Shape 62"/>
+          <p:cNvSpPr>
+            <a:spLocks noGrp="1"/>
+          </p:cNvSpPr>
+          <p:nvPr>
+            <p:ph type="body" idx="4294967295"/>
+          </p:nvPr>
+        </p:nvSpPr>
+        <p:spPr>
+          <a:xfrm>
+            <a:off x="0" y="3978275"/>
+            <a:ext cx="4144963" cy="2197100"/>
+          </a:xfrm>
+          <a:prstGeom prst="rect">
+            <a:avLst/>
+          </a:prstGeom>
+        </p:spPr>
+        <p:txBody>
+          <a:bodyPr/>
+          <a:lstStyle/>
+          <a:p>
+            <a:pPr marL="0" indent="0" defTabSz="299848">
+              <a:spcBef>
+                <a:spcPts val="2109"/>
+              </a:spcBef>
+              <a:buNone/>
+              <a:defRPr sz="1800">
+                <a:solidFill>
+                  <a:srgbClr val="000000"/>
+                </a:solidFill>
+                <a:effectLst/>
+              </a:defRPr>
+            </a:pPr>
+            <a:r>
+              <a:rPr sz="2100" dirty="0">
+                <a:effectLst>
+                  <a:outerShdw blurRad="37084" dist="18542" dir="5400000" rotWithShape="0">
+                    <a:srgbClr val="000000"/>
+                  </a:outerShdw>
+                </a:effectLst>
+              </a:rPr>
+              <a:t>Masters</a:t>
+            </a:r>
+          </a:p>
+          <a:p>
+            <a:pPr marL="460125" lvl="1" indent="-251535" defTabSz="299848">
+              <a:spcBef>
+                <a:spcPts val="2109"/>
+              </a:spcBef>
+              <a:defRPr sz="1800">
+                <a:solidFill>
+                  <a:srgbClr val="000000"/>
+                </a:solidFill>
+                <a:effectLst/>
+              </a:defRPr>
+            </a:pPr>
+            <a:r>
+              <a:rPr sz="2100" dirty="0">
+                <a:effectLst>
+                  <a:outerShdw blurRad="37084" dist="18542" dir="5400000" rotWithShape="0">
+                    <a:srgbClr val="000000"/>
+                  </a:outerShdw>
+                </a:effectLst>
+              </a:rPr>
+              <a:t>Can initiate transfers</a:t>
+            </a:r>
+          </a:p>
+          <a:p>
+            <a:pPr marL="460125" lvl="1" indent="-251535" defTabSz="299848">
+              <a:spcBef>
+                <a:spcPts val="2109"/>
+              </a:spcBef>
+              <a:defRPr sz="1800">
+                <a:solidFill>
+                  <a:srgbClr val="000000"/>
+                </a:solidFill>
+                <a:effectLst/>
+              </a:defRPr>
+            </a:pPr>
+            <a:r>
+              <a:rPr sz="2100" dirty="0">
+                <a:effectLst>
+                  <a:outerShdw blurRad="37084" dist="18542" dir="5400000" rotWithShape="0">
+                    <a:srgbClr val="000000"/>
+                  </a:outerShdw>
+                </a:effectLst>
+              </a:rPr>
+              <a:t>Drives the SCL line</a:t>
+            </a:r>
+          </a:p>
+          <a:p>
+            <a:pPr marL="460125" lvl="1" indent="-251535" defTabSz="299848">
+              <a:spcBef>
+                <a:spcPts val="2109"/>
+              </a:spcBef>
+              <a:defRPr sz="1800">
+                <a:solidFill>
+                  <a:srgbClr val="000000"/>
+                </a:solidFill>
+                <a:effectLst/>
+              </a:defRPr>
+            </a:pPr>
+            <a:r>
+              <a:rPr sz="2100" dirty="0">
+                <a:effectLst>
+                  <a:outerShdw blurRad="37084" dist="18542" dir="5400000" rotWithShape="0">
+                    <a:srgbClr val="000000"/>
+                  </a:outerShdw>
+                </a:effectLst>
+              </a:rPr>
+              <a:t>Normally only one Master</a:t>
+            </a:r>
+          </a:p>
+        </p:txBody>
+      </p:sp>
+      <p:sp>
+        <p:nvSpPr>
+          <p:cNvPr id="56" name="Shape 56"/>
+          <p:cNvSpPr/>
+          <p:nvPr/>
+        </p:nvSpPr>
+        <p:spPr>
+          <a:xfrm>
+            <a:off x="2054194" y="1801146"/>
+            <a:ext cx="1106550" cy="1663573"/>
+          </a:xfrm>
+          <a:prstGeom prst="rect">
+            <a:avLst/>
+          </a:prstGeom>
+          <a:blipFill>
+            <a:blip r:embed="rId3"/>
+          </a:blipFill>
+          <a:ln w="12700">
+            <a:miter lim="400000"/>
+          </a:ln>
+          <a:effectLst>
+            <a:outerShdw blurRad="50800" dist="25400" dir="5400000" rotWithShape="0">
+              <a:srgbClr val="000000">
+                <a:alpha val="50000"/>
+              </a:srgbClr>
+            </a:outerShdw>
+          </a:effectLst>
+          <a:extLst>
+            <a:ext uri="{C572A759-6A51-4108-AA02-DFA0A04FC94B}">
+              <ma14:wrappingTextBoxFlag xmlns:ma14="http://schemas.microsoft.com/office/mac/drawingml/2011/main" val="1"/>
+            </a:ext>
+          </a:extLst>
+        </p:spPr>
+        <p:txBody>
+          <a:bodyPr lIns="35717" tIns="35717" rIns="35717" bIns="35717" anchor="ctr"/>
+          <a:lstStyle>
+            <a:lvl1pPr>
+              <a:defRPr sz="3000">
+                <a:solidFill>
+                  <a:srgbClr val="FFFFFF"/>
+                </a:solidFill>
+                <a:effectLst>
+                  <a:outerShdw blurRad="38100" dist="12700" dir="5400000" rotWithShape="0">
+                    <a:srgbClr val="000000">
+                      <a:alpha val="80000"/>
+                    </a:srgbClr>
+                  </a:outerShdw>
+                </a:effectLst>
+              </a:defRPr>
+            </a:lvl1pPr>
+          </a:lstStyle>
+          <a:p>
+            <a:pPr lvl="0">
+              <a:defRPr sz="1800">
+                <a:solidFill>
+                  <a:srgbClr val="000000"/>
+                </a:solidFill>
+                <a:effectLst/>
+              </a:defRPr>
+            </a:pPr>
+            <a:r>
+              <a:rPr sz="2100"/>
+              <a:t>Master</a:t>
+            </a:r>
+          </a:p>
+        </p:txBody>
+      </p:sp>
+      <p:sp>
+        <p:nvSpPr>
+          <p:cNvPr id="57" name="Shape 57"/>
+          <p:cNvSpPr/>
+          <p:nvPr/>
+        </p:nvSpPr>
+        <p:spPr>
+          <a:xfrm>
+            <a:off x="6196837" y="2141973"/>
+            <a:ext cx="892969" cy="1278097"/>
+          </a:xfrm>
+          <a:prstGeom prst="rect">
+            <a:avLst/>
+          </a:prstGeom>
+          <a:blipFill>
+            <a:blip r:embed="rId3"/>
+          </a:blipFill>
+          <a:ln w="12700">
+            <a:miter lim="400000"/>
+          </a:ln>
+          <a:effectLst>
+            <a:outerShdw blurRad="50800" dist="25400" dir="5400000" rotWithShape="0">
+              <a:srgbClr val="000000">
+                <a:alpha val="50000"/>
+              </a:srgbClr>
+            </a:outerShdw>
+          </a:effectLst>
+          <a:extLst>
+            <a:ext uri="{C572A759-6A51-4108-AA02-DFA0A04FC94B}">
+              <ma14:wrappingTextBoxFlag xmlns:ma14="http://schemas.microsoft.com/office/mac/drawingml/2011/main" val="1"/>
+            </a:ext>
+          </a:extLst>
+        </p:spPr>
+        <p:txBody>
+          <a:bodyPr lIns="35717" tIns="35717" rIns="35717" bIns="35717" anchor="ctr"/>
+          <a:lstStyle>
+            <a:lvl1pPr>
+              <a:defRPr sz="3000">
+                <a:solidFill>
+                  <a:srgbClr val="FFFFFF"/>
+                </a:solidFill>
+                <a:effectLst>
+                  <a:outerShdw blurRad="38100" dist="12700" dir="5400000" rotWithShape="0">
+                    <a:srgbClr val="000000">
+                      <a:alpha val="80000"/>
+                    </a:srgbClr>
+                  </a:outerShdw>
+                </a:effectLst>
+              </a:defRPr>
+            </a:lvl1pPr>
+          </a:lstStyle>
+          <a:p>
+            <a:pPr lvl="0">
+              <a:defRPr sz="1800">
+                <a:solidFill>
+                  <a:srgbClr val="000000"/>
+                </a:solidFill>
+                <a:effectLst/>
+              </a:defRPr>
+            </a:pPr>
+            <a:r>
+              <a:rPr sz="2100"/>
+              <a:t>Slave</a:t>
+            </a:r>
+          </a:p>
+        </p:txBody>
+      </p:sp>
+      <p:sp>
+        <p:nvSpPr>
+          <p:cNvPr id="58" name="Shape 58"/>
+          <p:cNvSpPr/>
+          <p:nvPr/>
+        </p:nvSpPr>
+        <p:spPr>
+          <a:xfrm>
+            <a:off x="3169351" y="2768203"/>
+            <a:ext cx="3018878" cy="0"/>
+          </a:xfrm>
+          <a:prstGeom prst="line">
+            <a:avLst/>
+          </a:prstGeom>
+          <a:ln w="25400">
+            <a:solidFill/>
+            <a:miter lim="400000"/>
+          </a:ln>
+        </p:spPr>
+        <p:txBody>
+          <a:bodyPr lIns="35717" tIns="35717" rIns="35717" bIns="35717" anchor="ctr"/>
+          <a:lstStyle/>
+          <a:p>
+            <a:pPr lvl="0">
+              <a:defRPr sz="3000">
+                <a:solidFill>
+                  <a:srgbClr val="FFFFFF"/>
+                </a:solidFill>
+                <a:effectLst>
+                  <a:outerShdw blurRad="38100" dist="12700" dir="5400000" rotWithShape="0">
+                    <a:srgbClr val="000000">
+                      <a:alpha val="80000"/>
+                    </a:srgbClr>
+                  </a:outerShdw>
+                </a:effectLst>
+              </a:defRPr>
+            </a:pPr>
+            <a:endParaRPr/>
+          </a:p>
+        </p:txBody>
+      </p:sp>
+      <p:sp>
+        <p:nvSpPr>
+          <p:cNvPr id="59" name="Shape 59"/>
+          <p:cNvSpPr/>
+          <p:nvPr/>
+        </p:nvSpPr>
+        <p:spPr>
+          <a:xfrm>
+            <a:off x="3169351" y="3125391"/>
+            <a:ext cx="3018878" cy="0"/>
+          </a:xfrm>
+          <a:prstGeom prst="line">
+            <a:avLst/>
+          </a:prstGeom>
+          <a:ln w="25400">
+            <a:solidFill/>
+            <a:miter lim="400000"/>
+          </a:ln>
+        </p:spPr>
+        <p:txBody>
+          <a:bodyPr lIns="35717" tIns="35717" rIns="35717" bIns="35717" anchor="ctr"/>
+          <a:lstStyle/>
+          <a:p>
+            <a:pPr lvl="0">
+              <a:defRPr sz="3000">
+                <a:solidFill>
+                  <a:srgbClr val="FFFFFF"/>
+                </a:solidFill>
+                <a:effectLst>
+                  <a:outerShdw blurRad="38100" dist="12700" dir="5400000" rotWithShape="0">
+                    <a:srgbClr val="000000">
+                      <a:alpha val="80000"/>
+                    </a:srgbClr>
+                  </a:outerShdw>
+                </a:effectLst>
+              </a:defRPr>
+            </a:pPr>
+            <a:endParaRPr/>
+          </a:p>
+        </p:txBody>
+      </p:sp>
+      <p:sp>
+        <p:nvSpPr>
+          <p:cNvPr id="60" name="Shape 60"/>
+          <p:cNvSpPr/>
+          <p:nvPr/>
+        </p:nvSpPr>
+        <p:spPr>
+          <a:xfrm>
+            <a:off x="4510912" y="2438792"/>
+            <a:ext cx="405556" cy="349131"/>
+          </a:xfrm>
+          <a:prstGeom prst="rect">
+            <a:avLst/>
+          </a:prstGeom>
+          <a:ln w="12700">
+            <a:miter lim="400000"/>
+          </a:ln>
+          <a:extLst>
+            <a:ext uri="{C572A759-6A51-4108-AA02-DFA0A04FC94B}">
+              <ma14:wrappingTextBoxFlag xmlns:ma14="http://schemas.microsoft.com/office/mac/drawingml/2011/main" val="1"/>
+            </a:ext>
+          </a:extLst>
+        </p:spPr>
+        <p:txBody>
+          <a:bodyPr wrap="none" lIns="35717" tIns="35717" rIns="35717" bIns="35717" anchor="ctr">
+            <a:spAutoFit/>
+          </a:bodyPr>
+          <a:lstStyle>
+            <a:lvl1pPr>
+              <a:defRPr sz="2500"/>
+            </a:lvl1pPr>
+          </a:lstStyle>
+          <a:p>
+            <a:pPr lvl="0">
+              <a:defRPr sz="1800">
+                <a:solidFill>
+                  <a:srgbClr val="000000"/>
+                </a:solidFill>
+                <a:effectLst/>
+              </a:defRPr>
+            </a:pPr>
+            <a:r>
+              <a:rPr sz="1800">
+                <a:solidFill>
+                  <a:srgbClr val="EBEBEB"/>
+                </a:solidFill>
+                <a:effectLst>
+                  <a:outerShdw blurRad="50800" dist="25400" dir="5400000" rotWithShape="0">
+                    <a:srgbClr val="000000"/>
+                  </a:outerShdw>
+                </a:effectLst>
+              </a:rPr>
+              <a:t>SCL</a:t>
+            </a:r>
+          </a:p>
+        </p:txBody>
+      </p:sp>
+      <p:sp>
+        <p:nvSpPr>
+          <p:cNvPr id="61" name="Shape 61"/>
+          <p:cNvSpPr/>
+          <p:nvPr/>
+        </p:nvSpPr>
+        <p:spPr>
+          <a:xfrm>
+            <a:off x="4500531" y="2818237"/>
+            <a:ext cx="453772" cy="349131"/>
+          </a:xfrm>
+          <a:prstGeom prst="rect">
+            <a:avLst/>
+          </a:prstGeom>
+          <a:ln w="12700">
+            <a:miter lim="400000"/>
+          </a:ln>
+          <a:extLst>
+            <a:ext uri="{C572A759-6A51-4108-AA02-DFA0A04FC94B}">
+              <ma14:wrappingTextBoxFlag xmlns:ma14="http://schemas.microsoft.com/office/mac/drawingml/2011/main" val="1"/>
+            </a:ext>
+          </a:extLst>
+        </p:spPr>
+        <p:txBody>
+          <a:bodyPr wrap="none" lIns="35717" tIns="35717" rIns="35717" bIns="35717" anchor="ctr">
+            <a:spAutoFit/>
+          </a:bodyPr>
+          <a:lstStyle>
+            <a:lvl1pPr>
+              <a:defRPr sz="2500"/>
+            </a:lvl1pPr>
+          </a:lstStyle>
+          <a:p>
+            <a:pPr lvl="0">
+              <a:defRPr sz="1800">
+                <a:solidFill>
+                  <a:srgbClr val="000000"/>
+                </a:solidFill>
+                <a:effectLst/>
+              </a:defRPr>
+            </a:pPr>
+            <a:r>
+              <a:rPr sz="1800">
+                <a:solidFill>
+                  <a:srgbClr val="EBEBEB"/>
+                </a:solidFill>
+                <a:effectLst>
+                  <a:outerShdw blurRad="50800" dist="25400" dir="5400000" rotWithShape="0">
+                    <a:srgbClr val="000000"/>
+                  </a:outerShdw>
+                </a:effectLst>
+              </a:rPr>
+              <a:t>SDA</a:t>
+            </a:r>
+          </a:p>
+        </p:txBody>
+      </p:sp>
+      <p:sp>
+        <p:nvSpPr>
+          <p:cNvPr id="63" name="Shape 63"/>
+          <p:cNvSpPr/>
+          <p:nvPr/>
+        </p:nvSpPr>
+        <p:spPr>
+          <a:xfrm>
+            <a:off x="4571633" y="3979048"/>
+            <a:ext cx="4143376" cy="2195831"/>
+          </a:xfrm>
+          <a:prstGeom prst="rect">
+            <a:avLst/>
+          </a:prstGeom>
+          <a:ln w="12700">
+            <a:miter lim="400000"/>
+          </a:ln>
+          <a:extLst>
+            <a:ext uri="{C572A759-6A51-4108-AA02-DFA0A04FC94B}">
+              <ma14:wrappingTextBoxFlag xmlns:ma14="http://schemas.microsoft.com/office/mac/drawingml/2011/main" val="1"/>
+            </a:ext>
+          </a:extLst>
+        </p:spPr>
+        <p:txBody>
+          <a:bodyPr lIns="0" tIns="0" rIns="0" bIns="0" anchor="ctr">
+            <a:normAutofit/>
+          </a:bodyPr>
+          <a:lstStyle/>
+          <a:p>
+            <a:pPr defTabSz="299848">
+              <a:spcBef>
+                <a:spcPts val="2109"/>
+              </a:spcBef>
+              <a:defRPr sz="1800">
+                <a:solidFill>
+                  <a:srgbClr val="000000"/>
+                </a:solidFill>
+                <a:effectLst/>
+              </a:defRPr>
+            </a:pPr>
+            <a:r>
+              <a:rPr sz="2100">
+                <a:effectLst>
+                  <a:outerShdw blurRad="37084" dist="18542" dir="5400000" rotWithShape="0">
+                    <a:srgbClr val="000000"/>
+                  </a:outerShdw>
+                </a:effectLst>
+              </a:rPr>
+              <a:t>Slave</a:t>
+            </a:r>
+          </a:p>
+          <a:p>
+            <a:pPr marL="460125" lvl="1" indent="-251535" defTabSz="299848">
+              <a:spcBef>
+                <a:spcPts val="2109"/>
+              </a:spcBef>
+              <a:buSzPct val="75000"/>
+              <a:buChar char="•"/>
+              <a:defRPr sz="1800">
+                <a:solidFill>
+                  <a:srgbClr val="000000"/>
+                </a:solidFill>
+                <a:effectLst/>
+              </a:defRPr>
+            </a:pPr>
+            <a:r>
+              <a:rPr sz="2100">
+                <a:effectLst>
+                  <a:outerShdw blurRad="37084" dist="18542" dir="5400000" rotWithShape="0">
+                    <a:srgbClr val="000000"/>
+                  </a:outerShdw>
+                </a:effectLst>
+              </a:rPr>
+              <a:t>Can’t initiate transfers</a:t>
+            </a:r>
+          </a:p>
+          <a:p>
+            <a:pPr marL="460125" lvl="1" indent="-251535" defTabSz="299848">
+              <a:spcBef>
+                <a:spcPts val="2109"/>
+              </a:spcBef>
+              <a:buSzPct val="75000"/>
+              <a:buChar char="•"/>
+              <a:defRPr sz="1800">
+                <a:solidFill>
+                  <a:srgbClr val="000000"/>
+                </a:solidFill>
+                <a:effectLst/>
+              </a:defRPr>
+            </a:pPr>
+            <a:r>
+              <a:rPr sz="2100">
+                <a:effectLst>
+                  <a:outerShdw blurRad="37084" dist="18542" dir="5400000" rotWithShape="0">
+                    <a:srgbClr val="000000"/>
+                  </a:outerShdw>
+                </a:effectLst>
+              </a:rPr>
+              <a:t>Respond to the Master</a:t>
+            </a:r>
+          </a:p>
+          <a:p>
+            <a:pPr marL="460125" lvl="1" indent="-251535" defTabSz="299848">
+              <a:spcBef>
+                <a:spcPts val="2109"/>
+              </a:spcBef>
+              <a:buSzPct val="75000"/>
+              <a:buChar char="•"/>
+              <a:defRPr sz="1800">
+                <a:solidFill>
+                  <a:srgbClr val="000000"/>
+                </a:solidFill>
+                <a:effectLst/>
+              </a:defRPr>
+            </a:pPr>
+            <a:r>
+              <a:rPr sz="2100">
+                <a:effectLst>
+                  <a:outerShdw blurRad="37084" dist="18542" dir="5400000" rotWithShape="0">
+                    <a:srgbClr val="000000"/>
+                  </a:outerShdw>
+                </a:effectLst>
+              </a:rPr>
+              <a:t>Up to 100+ slaves per bus</a:t>
+            </a:r>
+          </a:p>
+        </p:txBody>
+      </p:sp>
+    </p:spTree>
+    <p:extLst>
+      <p:ext uri="{BB962C8B-B14F-4D97-AF65-F5344CB8AC3E}">
+        <p14:creationId xmlns:p14="http://schemas.microsoft.com/office/powerpoint/2010/main" val="2776767518"/>
+      </p:ext>
+    </p:extLst>
+  </p:cSld>
+  <p:clrMapOvr>
+    <a:masterClrMapping/>
+  </p:clrMapOvr>
+  <p:transition xmlns:p14="http://schemas.microsoft.com/office/powerpoint/2010/main" spd="med"/>
+  <p:timing>
+    <p:tnLst>
+      <p:par>
+        <p:cTn xmlns:p14="http://schemas.microsoft.com/office/powerpoint/2010/main" id="1" dur="indefinite" restart="never" nodeType="tmRoot"/>
+      </p:par>
+    </p:tnLst>
+  </p:timing>
+</p:sld>
+</file>
+
+<file path=ppt/slides/slide11.xml><?xml version="1.0" encoding="utf-8"?>
+<p:sld xmlns:a="http://schemas.openxmlformats.org/drawingml/2006/main" xmlns:r="http://schemas.openxmlformats.org/officeDocument/2006/relationships" xmlns:p="http://schemas.openxmlformats.org/presentationml/2006/main">
+  <p:cSld>
+    <p:spTree>
+      <p:nvGrpSpPr>
+        <p:cNvPr id="1" name=""/>
+        <p:cNvGrpSpPr/>
+        <p:nvPr/>
+      </p:nvGrpSpPr>
+      <p:grpSpPr>
+        <a:xfrm>
+          <a:off x="0" y="0"/>
+          <a:ext cx="0" cy="0"/>
+          <a:chOff x="0" y="0"/>
+          <a:chExt cx="0" cy="0"/>
+        </a:xfrm>
+      </p:grpSpPr>
+      <p:sp>
+        <p:nvSpPr>
+          <p:cNvPr id="67" name="Shape 67"/>
+          <p:cNvSpPr>
+            <a:spLocks noGrp="1"/>
+          </p:cNvSpPr>
+          <p:nvPr>
+            <p:ph type="title"/>
+          </p:nvPr>
+        </p:nvSpPr>
+        <p:spPr/>
+        <p:txBody>
+          <a:bodyPr/>
+          <a:lstStyle/>
+          <a:p>
+            <a:pPr lvl="0"/>
+            <a:r>
+              <a:rPr lang="en-US" dirty="0" smtClean="0"/>
+              <a:t>I2C Protocol - Start/Stop</a:t>
+            </a:r>
+            <a:endParaRPr lang="en-US" dirty="0"/>
+          </a:p>
+        </p:txBody>
+      </p:sp>
+      <p:sp>
+        <p:nvSpPr>
+          <p:cNvPr id="68" name="Shape 68"/>
+          <p:cNvSpPr>
+            <a:spLocks noGrp="1"/>
+          </p:cNvSpPr>
+          <p:nvPr>
+            <p:ph idx="1"/>
+          </p:nvPr>
+        </p:nvSpPr>
+        <p:spPr/>
+        <p:txBody>
+          <a:bodyPr>
+            <a:normAutofit/>
+          </a:bodyPr>
+          <a:lstStyle/>
+          <a:p>
+            <a:pPr lvl="0"/>
+            <a:r>
+              <a:rPr lang="en-US" smtClean="0"/>
+              <a:t>The Start/Stop sequences are the only times SDA can toggle while SCL is high</a:t>
+            </a:r>
+          </a:p>
+          <a:p>
+            <a:pPr lvl="0"/>
+            <a:r>
+              <a:rPr lang="en-US" smtClean="0"/>
+              <a:t>All other toggling of SDA must be done with SCL low</a:t>
+            </a:r>
+            <a:endParaRPr lang="en-US"/>
+          </a:p>
+        </p:txBody>
+      </p:sp>
+      <p:pic>
+        <p:nvPicPr>
+          <p:cNvPr id="69" name="pasted-image.tif"/>
+          <p:cNvPicPr/>
+          <p:nvPr/>
+        </p:nvPicPr>
+        <p:blipFill>
+          <a:blip r:embed="rId2">
+            <a:extLst/>
+          </a:blip>
+          <a:stretch>
+            <a:fillRect/>
+          </a:stretch>
+        </p:blipFill>
+        <p:spPr>
+          <a:xfrm>
+            <a:off x="1369446" y="4399682"/>
+            <a:ext cx="6405109" cy="1726481"/>
+          </a:xfrm>
+          <a:prstGeom prst="rect">
+            <a:avLst/>
+          </a:prstGeom>
+          <a:ln w="12700">
+            <a:miter lim="400000"/>
+          </a:ln>
+        </p:spPr>
+      </p:pic>
+    </p:spTree>
+    <p:extLst>
+      <p:ext uri="{BB962C8B-B14F-4D97-AF65-F5344CB8AC3E}">
+        <p14:creationId xmlns:p14="http://schemas.microsoft.com/office/powerpoint/2010/main" val="3671472732"/>
+      </p:ext>
+    </p:extLst>
+  </p:cSld>
+  <p:clrMapOvr>
+    <a:masterClrMapping/>
+  </p:clrMapOvr>
+  <mc:AlternateContent xmlns:mc="http://schemas.openxmlformats.org/markup-compatibility/2006">
+    <mc:Choice xmlns:p14="http://schemas.microsoft.com/office/powerpoint/2010/main" Requires="p14">
+      <p:transition spd="slow" p14:dur="2000"/>
+    </mc:Choice>
+    <mc:Fallback>
+      <p:transition xmlns:p14="http://schemas.microsoft.com/office/powerpoint/2010/main" spd="slow"/>
+    </mc:Fallback>
+  </mc:AlternateContent>
+  <p:timing>
+    <p:tnLst>
+      <p:par>
+        <p:cTn xmlns:p14="http://schemas.microsoft.com/office/powerpoint/2010/main" id="1" dur="indefinite" restart="never" nodeType="tmRoot"/>
+      </p:par>
+    </p:tnLst>
+  </p:timing>
+</p:sld>
+</file>
+
+<file path=ppt/slides/slide12.xml><?xml version="1.0" encoding="utf-8"?>
+<p:sld xmlns:a="http://schemas.openxmlformats.org/drawingml/2006/main" xmlns:r="http://schemas.openxmlformats.org/officeDocument/2006/relationships" xmlns:p="http://schemas.openxmlformats.org/presentationml/2006/main">
+  <p:cSld>
+    <p:spTree>
+      <p:nvGrpSpPr>
+        <p:cNvPr id="1" name=""/>
+        <p:cNvGrpSpPr/>
+        <p:nvPr/>
+      </p:nvGrpSpPr>
+      <p:grpSpPr>
+        <a:xfrm>
+          <a:off x="0" y="0"/>
+          <a:ext cx="0" cy="0"/>
+          <a:chOff x="0" y="0"/>
+          <a:chExt cx="0" cy="0"/>
+        </a:xfrm>
+      </p:grpSpPr>
+      <p:sp>
+        <p:nvSpPr>
+          <p:cNvPr id="2" name="Title 1"/>
+          <p:cNvSpPr>
+            <a:spLocks noGrp="1"/>
+          </p:cNvSpPr>
+          <p:nvPr>
+            <p:ph type="title"/>
+          </p:nvPr>
+        </p:nvSpPr>
+        <p:spPr/>
+        <p:txBody>
+          <a:bodyPr/>
+          <a:lstStyle/>
+          <a:p>
+            <a:r>
+              <a:rPr lang="en-US" dirty="0" smtClean="0"/>
+              <a:t>I</a:t>
+            </a:r>
+            <a:r>
+              <a:rPr lang="en-US" baseline="30000" dirty="0" smtClean="0"/>
+              <a:t>2</a:t>
+            </a:r>
+            <a:r>
+              <a:rPr lang="en-US" dirty="0" smtClean="0"/>
+              <a:t>C Addressing</a:t>
+            </a:r>
+            <a:endParaRPr lang="en-US" dirty="0"/>
+          </a:p>
+        </p:txBody>
+      </p:sp>
+      <p:sp>
+        <p:nvSpPr>
+          <p:cNvPr id="3" name="Content Placeholder 2"/>
+          <p:cNvSpPr>
+            <a:spLocks noGrp="1"/>
+          </p:cNvSpPr>
+          <p:nvPr>
+            <p:ph idx="1"/>
+          </p:nvPr>
+        </p:nvSpPr>
+        <p:spPr/>
+        <p:txBody>
+          <a:bodyPr>
+            <a:normAutofit fontScale="85000" lnSpcReduction="20000"/>
+          </a:bodyPr>
+          <a:lstStyle/>
+          <a:p>
+            <a:r>
+              <a:rPr lang="en-US" dirty="0" smtClean="0"/>
+              <a:t>Each slave on an I</a:t>
+            </a:r>
+            <a:r>
+              <a:rPr lang="en-US" baseline="30000" dirty="0" smtClean="0"/>
+              <a:t>2</a:t>
+            </a:r>
+            <a:r>
+              <a:rPr lang="en-US" dirty="0" smtClean="0"/>
+              <a:t>C bus has a unique address.</a:t>
+            </a:r>
+          </a:p>
+          <a:p>
+            <a:pPr lvl="1"/>
+            <a:r>
+              <a:rPr lang="en-US" dirty="0" smtClean="0"/>
+              <a:t>Most use 7 bit addresses (we discuss this here)</a:t>
+            </a:r>
+          </a:p>
+          <a:p>
+            <a:pPr lvl="1"/>
+            <a:r>
+              <a:rPr lang="en-US" dirty="0" smtClean="0"/>
+              <a:t>An extended 10-bit version also </a:t>
+            </a:r>
+            <a:r>
+              <a:rPr lang="en-US" dirty="0" smtClean="0"/>
+              <a:t>exists</a:t>
+            </a:r>
+          </a:p>
+          <a:p>
+            <a:pPr lvl="1"/>
+            <a:r>
+              <a:rPr lang="en-US" dirty="0" smtClean="0"/>
+              <a:t>Low-order bit determines whether it is a read or a write.</a:t>
+            </a:r>
+            <a:endParaRPr lang="en-US" dirty="0" smtClean="0"/>
+          </a:p>
+          <a:p>
+            <a:r>
+              <a:rPr lang="en-US" dirty="0" smtClean="0"/>
+              <a:t>The addresses usually fixed or only partially configurable</a:t>
+            </a:r>
+          </a:p>
+          <a:p>
+            <a:pPr lvl="1"/>
+            <a:r>
+              <a:rPr lang="en-US" dirty="0" smtClean="0"/>
+              <a:t>E.g. Only the least-significant bit of the address for the IMU is settable.  So you can only have two of these IMUs on one bus.</a:t>
+            </a:r>
+          </a:p>
+          <a:p>
+            <a:pPr lvl="1"/>
+            <a:r>
+              <a:rPr lang="en-US" dirty="0" smtClean="0"/>
+              <a:t>Different devices will have different numbers of settable and fixed bits.</a:t>
+            </a:r>
+          </a:p>
+          <a:p>
+            <a:pPr lvl="1"/>
+            <a:r>
+              <a:rPr lang="en-US" dirty="0" smtClean="0"/>
+              <a:t>You can’t mix components arbitrarily on the bus</a:t>
+            </a:r>
+          </a:p>
+          <a:p>
+            <a:pPr lvl="1"/>
+            <a:endParaRPr lang="en-US" dirty="0"/>
+          </a:p>
+        </p:txBody>
+      </p:sp>
+    </p:spTree>
+    <p:extLst>
+      <p:ext uri="{BB962C8B-B14F-4D97-AF65-F5344CB8AC3E}">
+        <p14:creationId xmlns:p14="http://schemas.microsoft.com/office/powerpoint/2010/main" val="3146488568"/>
+      </p:ext>
+    </p:extLst>
+  </p:cSld>
+  <p:clrMapOvr>
+    <a:masterClrMapping/>
+  </p:clrMapOvr>
+  <p:timing>
+    <p:tnLst>
+      <p:par>
+        <p:cTn xmlns:p14="http://schemas.microsoft.com/office/powerpoint/2010/main" id="1" dur="indefinite" restart="never" nodeType="tmRoot"/>
+      </p:par>
+    </p:tnLst>
+  </p:timing>
+</p:sld>
+</file>
+
+<file path=ppt/slides/slide13.xml><?xml version="1.0" encoding="utf-8"?>
 <p:sld xmlns:a="http://schemas.openxmlformats.org/drawingml/2006/main" xmlns:r="http://schemas.openxmlformats.org/officeDocument/2006/relationships" xmlns:p="http://schemas.openxmlformats.org/presentationml/2006/main">
   <p:cSld>
     <p:spTree>
@@ -4129,11 +5214,11 @@
   <p:clrMapOvr>
     <a:masterClrMapping/>
   </p:clrMapOvr>
-  <mc:AlternateContent xmlns:mc="http://schemas.openxmlformats.org/markup-compatibility/2006">
-    <mc:Choice xmlns:p14="http://schemas.microsoft.com/office/powerpoint/2010/main" Requires="p14">
+  <mc:AlternateContent xmlns:mc="http://schemas.openxmlformats.org/markup-compatibility/2006" xmlns:p14="http://schemas.microsoft.com/office/powerpoint/2010/main">
+    <mc:Choice Requires="p14">
       <p:transition spd="slow" p14:dur="2000"/>
     </mc:Choice>
-    <mc:Fallback>
+    <mc:Fallback xmlns="">
       <p:transition xmlns:p14="http://schemas.microsoft.com/office/powerpoint/2010/main" spd="slow"/>
     </mc:Fallback>
   </mc:AlternateContent>
@@ -4147,7 +5232,7 @@
 </p:sld>
 </file>
 
-<file path=ppt/slides/slide11.xml><?xml version="1.0" encoding="utf-8"?>
+<file path=ppt/slides/slide14.xml><?xml version="1.0" encoding="utf-8"?>
 <p:sld xmlns:a="http://schemas.openxmlformats.org/drawingml/2006/main" xmlns:r="http://schemas.openxmlformats.org/officeDocument/2006/relationships" xmlns:p="http://schemas.openxmlformats.org/presentationml/2006/main">
   <p:cSld>
     <p:spTree>
@@ -4462,11 +5547,11 @@
   <p:clrMapOvr>
     <a:masterClrMapping/>
   </p:clrMapOvr>
-  <mc:AlternateContent xmlns:mc="http://schemas.openxmlformats.org/markup-compatibility/2006">
-    <mc:Choice xmlns:p14="http://schemas.microsoft.com/office/powerpoint/2010/main" Requires="p14">
+  <mc:AlternateContent xmlns:mc="http://schemas.openxmlformats.org/markup-compatibility/2006" xmlns:p14="http://schemas.microsoft.com/office/powerpoint/2010/main">
+    <mc:Choice Requires="p14">
       <p:transition spd="slow" p14:dur="2000"/>
     </mc:Choice>
-    <mc:Fallback>
+    <mc:Fallback xmlns="">
       <p:transition xmlns:p14="http://schemas.microsoft.com/office/powerpoint/2010/main" spd="slow"/>
     </mc:Fallback>
   </mc:AlternateContent>
@@ -4480,7 +5565,7 @@
 </p:sld>
 </file>
 
-<file path=ppt/slides/slide12.xml><?xml version="1.0" encoding="utf-8"?>
+<file path=ppt/slides/slide15.xml><?xml version="1.0" encoding="utf-8"?>
 <p:sld xmlns:a="http://schemas.openxmlformats.org/drawingml/2006/main" xmlns:r="http://schemas.openxmlformats.org/officeDocument/2006/relationships" xmlns:p="http://schemas.openxmlformats.org/presentationml/2006/main">
   <p:cSld>
     <p:spTree>
@@ -4782,11 +5867,11 @@
   <p:clrMapOvr>
     <a:masterClrMapping/>
   </p:clrMapOvr>
-  <mc:AlternateContent xmlns:mc="http://schemas.openxmlformats.org/markup-compatibility/2006">
-    <mc:Choice xmlns:p14="http://schemas.microsoft.com/office/powerpoint/2010/main" Requires="p14">
+  <mc:AlternateContent xmlns:mc="http://schemas.openxmlformats.org/markup-compatibility/2006" xmlns:p14="http://schemas.microsoft.com/office/powerpoint/2010/main">
+    <mc:Choice Requires="p14">
       <p:transition spd="slow" p14:dur="2000"/>
     </mc:Choice>
-    <mc:Fallback>
+    <mc:Fallback xmlns="">
       <p:transition xmlns:p14="http://schemas.microsoft.com/office/powerpoint/2010/main" spd="slow"/>
     </mc:Fallback>
   </mc:AlternateContent>
@@ -4800,7 +5885,7 @@
 </p:sld>
 </file>
 
-<file path=ppt/slides/slide13.xml><?xml version="1.0" encoding="utf-8"?>
+<file path=ppt/slides/slide16.xml><?xml version="1.0" encoding="utf-8"?>
 <p:sld xmlns:a="http://schemas.openxmlformats.org/drawingml/2006/main" xmlns:r="http://schemas.openxmlformats.org/officeDocument/2006/relationships" xmlns:p="http://schemas.openxmlformats.org/presentationml/2006/main">
   <p:cSld>
     <p:spTree>
@@ -5090,6 +6175,113 @@
   <p:clrMapOvr>
     <a:masterClrMapping/>
   </p:clrMapOvr>
+  <mc:AlternateContent xmlns:mc="http://schemas.openxmlformats.org/markup-compatibility/2006" xmlns:p14="http://schemas.microsoft.com/office/powerpoint/2010/main">
+    <mc:Choice Requires="p14">
+      <p:transition spd="slow" p14:dur="2000"/>
+    </mc:Choice>
+    <mc:Fallback xmlns="">
+      <p:transition xmlns:p14="http://schemas.microsoft.com/office/powerpoint/2010/main" spd="slow"/>
+    </mc:Fallback>
+  </mc:AlternateContent>
+  <p:timing>
+    <p:tnLst>
+      <p:par>
+        <p:cTn xmlns:p14="http://schemas.microsoft.com/office/powerpoint/2010/main" id="1" dur="indefinite" restart="never" nodeType="tmRoot"/>
+      </p:par>
+    </p:tnLst>
+  </p:timing>
+</p:sld>
+</file>
+
+<file path=ppt/slides/slide17.xml><?xml version="1.0" encoding="utf-8"?>
+<p:sld xmlns:a="http://schemas.openxmlformats.org/drawingml/2006/main" xmlns:r="http://schemas.openxmlformats.org/officeDocument/2006/relationships" xmlns:p="http://schemas.openxmlformats.org/presentationml/2006/main">
+  <p:cSld>
+    <p:spTree>
+      <p:nvGrpSpPr>
+        <p:cNvPr id="1" name=""/>
+        <p:cNvGrpSpPr/>
+        <p:nvPr/>
+      </p:nvGrpSpPr>
+      <p:grpSpPr>
+        <a:xfrm>
+          <a:off x="0" y="0"/>
+          <a:ext cx="0" cy="0"/>
+          <a:chOff x="0" y="0"/>
+          <a:chExt cx="0" cy="0"/>
+        </a:xfrm>
+      </p:grpSpPr>
+      <p:sp>
+        <p:nvSpPr>
+          <p:cNvPr id="112" name="Shape 112"/>
+          <p:cNvSpPr>
+            <a:spLocks noGrp="1"/>
+          </p:cNvSpPr>
+          <p:nvPr>
+            <p:ph type="title"/>
+          </p:nvPr>
+        </p:nvSpPr>
+        <p:spPr/>
+        <p:txBody>
+          <a:bodyPr/>
+          <a:lstStyle/>
+          <a:p>
+            <a:pPr lvl="0"/>
+            <a:r>
+              <a:rPr lang="en-US" smtClean="0"/>
+              <a:t>I2C Speed</a:t>
+            </a:r>
+            <a:endParaRPr lang="en-US"/>
+          </a:p>
+        </p:txBody>
+      </p:sp>
+      <p:sp>
+        <p:nvSpPr>
+          <p:cNvPr id="113" name="Shape 113"/>
+          <p:cNvSpPr>
+            <a:spLocks noGrp="1"/>
+          </p:cNvSpPr>
+          <p:nvPr>
+            <p:ph idx="1"/>
+          </p:nvPr>
+        </p:nvSpPr>
+        <p:spPr/>
+        <p:txBody>
+          <a:bodyPr/>
+          <a:lstStyle/>
+          <a:p>
+            <a:pPr lvl="0"/>
+            <a:r>
+              <a:rPr lang="en-US" smtClean="0"/>
+              <a:t>100 Kb/sec - Normal Operation</a:t>
+            </a:r>
+          </a:p>
+          <a:p>
+            <a:pPr lvl="0"/>
+            <a:r>
+              <a:rPr lang="en-US" smtClean="0"/>
+              <a:t>10 Kb/sec - Slow mode</a:t>
+            </a:r>
+          </a:p>
+          <a:p>
+            <a:pPr lvl="0"/>
+            <a:r>
+              <a:rPr lang="en-US" smtClean="0"/>
+              <a:t>400 Kb/sec to 3.4 Mb/sec - High Speed Modes</a:t>
+            </a:r>
+            <a:endParaRPr lang="en-US"/>
+          </a:p>
+        </p:txBody>
+      </p:sp>
+    </p:spTree>
+    <p:extLst>
+      <p:ext uri="{BB962C8B-B14F-4D97-AF65-F5344CB8AC3E}">
+        <p14:creationId xmlns:p14="http://schemas.microsoft.com/office/powerpoint/2010/main" val="915731262"/>
+      </p:ext>
+    </p:extLst>
+  </p:cSld>
+  <p:clrMapOvr>
+    <a:masterClrMapping/>
+  </p:clrMapOvr>
   <mc:AlternateContent xmlns:mc="http://schemas.openxmlformats.org/markup-compatibility/2006">
     <mc:Choice xmlns:p14="http://schemas.microsoft.com/office/powerpoint/2010/main" Requires="p14">
       <p:transition spd="slow" p14:dur="2000"/>
@@ -5108,7 +6300,938 @@
 </p:sld>
 </file>
 
-<file path=ppt/slides/slide14.xml><?xml version="1.0" encoding="utf-8"?>
+<file path=ppt/slides/slide18.xml><?xml version="1.0" encoding="utf-8"?>
+<p:sld xmlns:a="http://schemas.openxmlformats.org/drawingml/2006/main" xmlns:r="http://schemas.openxmlformats.org/officeDocument/2006/relationships" xmlns:p="http://schemas.openxmlformats.org/presentationml/2006/main">
+  <p:cSld>
+    <p:spTree>
+      <p:nvGrpSpPr>
+        <p:cNvPr id="1" name=""/>
+        <p:cNvGrpSpPr/>
+        <p:nvPr/>
+      </p:nvGrpSpPr>
+      <p:grpSpPr>
+        <a:xfrm>
+          <a:off x="0" y="0"/>
+          <a:ext cx="0" cy="0"/>
+          <a:chOff x="0" y="0"/>
+          <a:chExt cx="0" cy="0"/>
+        </a:xfrm>
+      </p:grpSpPr>
+      <p:sp>
+        <p:nvSpPr>
+          <p:cNvPr id="115" name="Shape 115"/>
+          <p:cNvSpPr>
+            <a:spLocks noGrp="1"/>
+          </p:cNvSpPr>
+          <p:nvPr>
+            <p:ph type="title"/>
+          </p:nvPr>
+        </p:nvSpPr>
+        <p:spPr/>
+        <p:txBody>
+          <a:bodyPr/>
+          <a:lstStyle/>
+          <a:p>
+            <a:pPr lvl="0"/>
+            <a:r>
+              <a:rPr lang="en-US" smtClean="0"/>
+              <a:t>Clock Stretching</a:t>
+            </a:r>
+            <a:endParaRPr lang="en-US"/>
+          </a:p>
+        </p:txBody>
+      </p:sp>
+      <p:sp>
+        <p:nvSpPr>
+          <p:cNvPr id="116" name="Shape 116"/>
+          <p:cNvSpPr>
+            <a:spLocks noGrp="1"/>
+          </p:cNvSpPr>
+          <p:nvPr>
+            <p:ph idx="1"/>
+          </p:nvPr>
+        </p:nvSpPr>
+        <p:spPr/>
+        <p:txBody>
+          <a:bodyPr/>
+          <a:lstStyle/>
+          <a:p>
+            <a:pPr lvl="0"/>
+            <a:r>
+              <a:rPr lang="en-US" smtClean="0"/>
+              <a:t>Only Masters can send clock pulses</a:t>
+            </a:r>
+          </a:p>
+          <a:p>
+            <a:pPr lvl="0"/>
+            <a:r>
+              <a:rPr lang="en-US" smtClean="0"/>
+              <a:t>But Slaves can stretch the clock if needed</a:t>
+            </a:r>
+            <a:endParaRPr lang="en-US"/>
+          </a:p>
+        </p:txBody>
+      </p:sp>
+      <p:sp>
+        <p:nvSpPr>
+          <p:cNvPr id="117" name="Shape 117"/>
+          <p:cNvSpPr/>
+          <p:nvPr/>
+        </p:nvSpPr>
+        <p:spPr>
+          <a:xfrm flipV="1">
+            <a:off x="2850170" y="5287374"/>
+            <a:ext cx="1" cy="427626"/>
+          </a:xfrm>
+          <a:prstGeom prst="line">
+            <a:avLst/>
+          </a:prstGeom>
+          <a:ln w="25400">
+            <a:solidFill>
+              <a:schemeClr val="tx1"/>
+            </a:solidFill>
+            <a:miter lim="400000"/>
+          </a:ln>
+        </p:spPr>
+        <p:txBody>
+          <a:bodyPr lIns="0" tIns="0" rIns="0" bIns="0" anchor="ctr"/>
+          <a:lstStyle/>
+          <a:p>
+            <a:pPr lvl="0">
+              <a:defRPr sz="3000">
+                <a:solidFill>
+                  <a:srgbClr val="FFFFFF"/>
+                </a:solidFill>
+                <a:effectLst>
+                  <a:outerShdw blurRad="38100" dist="12700" dir="5400000" rotWithShape="0">
+                    <a:srgbClr val="000000">
+                      <a:alpha val="80000"/>
+                    </a:srgbClr>
+                  </a:outerShdw>
+                </a:effectLst>
+              </a:defRPr>
+            </a:pPr>
+            <a:endParaRPr/>
+          </a:p>
+        </p:txBody>
+      </p:sp>
+      <p:sp>
+        <p:nvSpPr>
+          <p:cNvPr id="118" name="Shape 118"/>
+          <p:cNvSpPr/>
+          <p:nvPr/>
+        </p:nvSpPr>
+        <p:spPr>
+          <a:xfrm>
+            <a:off x="2841239" y="5286375"/>
+            <a:ext cx="380780" cy="0"/>
+          </a:xfrm>
+          <a:prstGeom prst="line">
+            <a:avLst/>
+          </a:prstGeom>
+          <a:ln w="25400">
+            <a:solidFill>
+              <a:schemeClr val="tx1"/>
+            </a:solidFill>
+            <a:miter lim="400000"/>
+          </a:ln>
+        </p:spPr>
+        <p:txBody>
+          <a:bodyPr lIns="0" tIns="0" rIns="0" bIns="0" anchor="ctr"/>
+          <a:lstStyle/>
+          <a:p>
+            <a:pPr lvl="0">
+              <a:defRPr sz="3000">
+                <a:solidFill>
+                  <a:srgbClr val="FFFFFF"/>
+                </a:solidFill>
+                <a:effectLst>
+                  <a:outerShdw blurRad="38100" dist="12700" dir="5400000" rotWithShape="0">
+                    <a:srgbClr val="000000">
+                      <a:alpha val="80000"/>
+                    </a:srgbClr>
+                  </a:outerShdw>
+                </a:effectLst>
+              </a:defRPr>
+            </a:pPr>
+            <a:endParaRPr/>
+          </a:p>
+        </p:txBody>
+      </p:sp>
+      <p:sp>
+        <p:nvSpPr>
+          <p:cNvPr id="119" name="Shape 119"/>
+          <p:cNvSpPr/>
+          <p:nvPr/>
+        </p:nvSpPr>
+        <p:spPr>
+          <a:xfrm flipV="1">
+            <a:off x="3216287" y="5287374"/>
+            <a:ext cx="1" cy="427626"/>
+          </a:xfrm>
+          <a:prstGeom prst="line">
+            <a:avLst/>
+          </a:prstGeom>
+          <a:ln w="25400">
+            <a:solidFill>
+              <a:schemeClr val="tx1"/>
+            </a:solidFill>
+            <a:miter lim="400000"/>
+          </a:ln>
+        </p:spPr>
+        <p:txBody>
+          <a:bodyPr lIns="0" tIns="0" rIns="0" bIns="0" anchor="ctr"/>
+          <a:lstStyle/>
+          <a:p>
+            <a:pPr lvl="0">
+              <a:defRPr sz="3000">
+                <a:solidFill>
+                  <a:srgbClr val="FFFFFF"/>
+                </a:solidFill>
+                <a:effectLst>
+                  <a:outerShdw blurRad="38100" dist="12700" dir="5400000" rotWithShape="0">
+                    <a:srgbClr val="000000">
+                      <a:alpha val="80000"/>
+                    </a:srgbClr>
+                  </a:outerShdw>
+                </a:effectLst>
+              </a:defRPr>
+            </a:pPr>
+            <a:endParaRPr/>
+          </a:p>
+        </p:txBody>
+      </p:sp>
+      <p:sp>
+        <p:nvSpPr>
+          <p:cNvPr id="120" name="Shape 120"/>
+          <p:cNvSpPr/>
+          <p:nvPr/>
+        </p:nvSpPr>
+        <p:spPr>
+          <a:xfrm>
+            <a:off x="3216287" y="5706070"/>
+            <a:ext cx="366118" cy="0"/>
+          </a:xfrm>
+          <a:prstGeom prst="line">
+            <a:avLst/>
+          </a:prstGeom>
+          <a:ln w="25400">
+            <a:solidFill>
+              <a:schemeClr val="tx1"/>
+            </a:solidFill>
+            <a:miter lim="400000"/>
+          </a:ln>
+        </p:spPr>
+        <p:txBody>
+          <a:bodyPr lIns="0" tIns="0" rIns="0" bIns="0" anchor="ctr"/>
+          <a:lstStyle/>
+          <a:p>
+            <a:pPr lvl="0">
+              <a:defRPr sz="3000">
+                <a:solidFill>
+                  <a:srgbClr val="FFFFFF"/>
+                </a:solidFill>
+                <a:effectLst>
+                  <a:outerShdw blurRad="38100" dist="12700" dir="5400000" rotWithShape="0">
+                    <a:srgbClr val="000000">
+                      <a:alpha val="80000"/>
+                    </a:srgbClr>
+                  </a:outerShdw>
+                </a:effectLst>
+              </a:defRPr>
+            </a:pPr>
+            <a:endParaRPr/>
+          </a:p>
+        </p:txBody>
+      </p:sp>
+      <p:sp>
+        <p:nvSpPr>
+          <p:cNvPr id="121" name="Shape 121"/>
+          <p:cNvSpPr/>
+          <p:nvPr/>
+        </p:nvSpPr>
+        <p:spPr>
+          <a:xfrm flipV="1">
+            <a:off x="3582404" y="5292339"/>
+            <a:ext cx="1" cy="412732"/>
+          </a:xfrm>
+          <a:prstGeom prst="line">
+            <a:avLst/>
+          </a:prstGeom>
+          <a:ln w="25400">
+            <a:solidFill>
+              <a:schemeClr val="tx1"/>
+            </a:solidFill>
+            <a:miter lim="400000"/>
+          </a:ln>
+        </p:spPr>
+        <p:txBody>
+          <a:bodyPr lIns="0" tIns="0" rIns="0" bIns="0" anchor="ctr"/>
+          <a:lstStyle/>
+          <a:p>
+            <a:pPr lvl="0">
+              <a:defRPr sz="3000">
+                <a:solidFill>
+                  <a:srgbClr val="FFFFFF"/>
+                </a:solidFill>
+                <a:effectLst>
+                  <a:outerShdw blurRad="38100" dist="12700" dir="5400000" rotWithShape="0">
+                    <a:srgbClr val="000000">
+                      <a:alpha val="80000"/>
+                    </a:srgbClr>
+                  </a:outerShdw>
+                </a:effectLst>
+              </a:defRPr>
+            </a:pPr>
+            <a:endParaRPr/>
+          </a:p>
+        </p:txBody>
+      </p:sp>
+      <p:sp>
+        <p:nvSpPr>
+          <p:cNvPr id="122" name="Shape 122"/>
+          <p:cNvSpPr/>
+          <p:nvPr/>
+        </p:nvSpPr>
+        <p:spPr>
+          <a:xfrm>
+            <a:off x="3573473" y="5291340"/>
+            <a:ext cx="380780" cy="1"/>
+          </a:xfrm>
+          <a:prstGeom prst="line">
+            <a:avLst/>
+          </a:prstGeom>
+          <a:ln w="25400">
+            <a:solidFill>
+              <a:schemeClr val="tx1"/>
+            </a:solidFill>
+            <a:miter lim="400000"/>
+          </a:ln>
+        </p:spPr>
+        <p:txBody>
+          <a:bodyPr lIns="0" tIns="0" rIns="0" bIns="0" anchor="ctr"/>
+          <a:lstStyle/>
+          <a:p>
+            <a:pPr lvl="0">
+              <a:defRPr sz="3000">
+                <a:solidFill>
+                  <a:srgbClr val="FFFFFF"/>
+                </a:solidFill>
+                <a:effectLst>
+                  <a:outerShdw blurRad="38100" dist="12700" dir="5400000" rotWithShape="0">
+                    <a:srgbClr val="000000">
+                      <a:alpha val="80000"/>
+                    </a:srgbClr>
+                  </a:outerShdw>
+                </a:effectLst>
+              </a:defRPr>
+            </a:pPr>
+            <a:endParaRPr/>
+          </a:p>
+        </p:txBody>
+      </p:sp>
+      <p:sp>
+        <p:nvSpPr>
+          <p:cNvPr id="123" name="Shape 123"/>
+          <p:cNvSpPr/>
+          <p:nvPr/>
+        </p:nvSpPr>
+        <p:spPr>
+          <a:xfrm flipV="1">
+            <a:off x="3948521" y="5292339"/>
+            <a:ext cx="1" cy="427626"/>
+          </a:xfrm>
+          <a:prstGeom prst="line">
+            <a:avLst/>
+          </a:prstGeom>
+          <a:ln w="25400">
+            <a:solidFill>
+              <a:schemeClr val="tx1"/>
+            </a:solidFill>
+            <a:miter lim="400000"/>
+          </a:ln>
+        </p:spPr>
+        <p:txBody>
+          <a:bodyPr lIns="0" tIns="0" rIns="0" bIns="0" anchor="ctr"/>
+          <a:lstStyle/>
+          <a:p>
+            <a:pPr lvl="0">
+              <a:defRPr sz="3000">
+                <a:solidFill>
+                  <a:srgbClr val="FFFFFF"/>
+                </a:solidFill>
+                <a:effectLst>
+                  <a:outerShdw blurRad="38100" dist="12700" dir="5400000" rotWithShape="0">
+                    <a:srgbClr val="000000">
+                      <a:alpha val="80000"/>
+                    </a:srgbClr>
+                  </a:outerShdw>
+                </a:effectLst>
+              </a:defRPr>
+            </a:pPr>
+            <a:endParaRPr/>
+          </a:p>
+        </p:txBody>
+      </p:sp>
+      <p:sp>
+        <p:nvSpPr>
+          <p:cNvPr id="124" name="Shape 124"/>
+          <p:cNvSpPr/>
+          <p:nvPr/>
+        </p:nvSpPr>
+        <p:spPr>
+          <a:xfrm>
+            <a:off x="3948520" y="5711036"/>
+            <a:ext cx="884040" cy="1"/>
+          </a:xfrm>
+          <a:prstGeom prst="line">
+            <a:avLst/>
+          </a:prstGeom>
+          <a:ln w="25400">
+            <a:solidFill>
+              <a:schemeClr val="tx1"/>
+            </a:solidFill>
+            <a:miter lim="400000"/>
+          </a:ln>
+        </p:spPr>
+        <p:txBody>
+          <a:bodyPr lIns="0" tIns="0" rIns="0" bIns="0" anchor="ctr"/>
+          <a:lstStyle/>
+          <a:p>
+            <a:pPr lvl="0">
+              <a:defRPr sz="3000">
+                <a:solidFill>
+                  <a:srgbClr val="FFFFFF"/>
+                </a:solidFill>
+                <a:effectLst>
+                  <a:outerShdw blurRad="38100" dist="12700" dir="5400000" rotWithShape="0">
+                    <a:srgbClr val="000000">
+                      <a:alpha val="80000"/>
+                    </a:srgbClr>
+                  </a:outerShdw>
+                </a:effectLst>
+              </a:defRPr>
+            </a:pPr>
+            <a:endParaRPr/>
+          </a:p>
+        </p:txBody>
+      </p:sp>
+      <p:sp>
+        <p:nvSpPr>
+          <p:cNvPr id="125" name="Shape 125"/>
+          <p:cNvSpPr/>
+          <p:nvPr/>
+        </p:nvSpPr>
+        <p:spPr>
+          <a:xfrm flipV="1">
+            <a:off x="4823631" y="5287374"/>
+            <a:ext cx="1" cy="427626"/>
+          </a:xfrm>
+          <a:prstGeom prst="line">
+            <a:avLst/>
+          </a:prstGeom>
+          <a:ln w="25400">
+            <a:solidFill>
+              <a:schemeClr val="tx1"/>
+            </a:solidFill>
+            <a:miter lim="400000"/>
+          </a:ln>
+        </p:spPr>
+        <p:txBody>
+          <a:bodyPr lIns="0" tIns="0" rIns="0" bIns="0" anchor="ctr"/>
+          <a:lstStyle/>
+          <a:p>
+            <a:pPr lvl="0">
+              <a:defRPr sz="3000">
+                <a:solidFill>
+                  <a:srgbClr val="FFFFFF"/>
+                </a:solidFill>
+                <a:effectLst>
+                  <a:outerShdw blurRad="38100" dist="12700" dir="5400000" rotWithShape="0">
+                    <a:srgbClr val="000000">
+                      <a:alpha val="80000"/>
+                    </a:srgbClr>
+                  </a:outerShdw>
+                </a:effectLst>
+              </a:defRPr>
+            </a:pPr>
+            <a:endParaRPr/>
+          </a:p>
+        </p:txBody>
+      </p:sp>
+      <p:sp>
+        <p:nvSpPr>
+          <p:cNvPr id="126" name="Shape 126"/>
+          <p:cNvSpPr/>
+          <p:nvPr/>
+        </p:nvSpPr>
+        <p:spPr>
+          <a:xfrm>
+            <a:off x="4814700" y="5286375"/>
+            <a:ext cx="380780" cy="0"/>
+          </a:xfrm>
+          <a:prstGeom prst="line">
+            <a:avLst/>
+          </a:prstGeom>
+          <a:ln w="25400">
+            <a:solidFill>
+              <a:schemeClr val="tx1"/>
+            </a:solidFill>
+            <a:miter lim="400000"/>
+          </a:ln>
+        </p:spPr>
+        <p:txBody>
+          <a:bodyPr lIns="0" tIns="0" rIns="0" bIns="0" anchor="ctr"/>
+          <a:lstStyle/>
+          <a:p>
+            <a:pPr lvl="0">
+              <a:defRPr sz="3000">
+                <a:solidFill>
+                  <a:srgbClr val="FFFFFF"/>
+                </a:solidFill>
+                <a:effectLst>
+                  <a:outerShdw blurRad="38100" dist="12700" dir="5400000" rotWithShape="0">
+                    <a:srgbClr val="000000">
+                      <a:alpha val="80000"/>
+                    </a:srgbClr>
+                  </a:outerShdw>
+                </a:effectLst>
+              </a:defRPr>
+            </a:pPr>
+            <a:endParaRPr/>
+          </a:p>
+        </p:txBody>
+      </p:sp>
+      <p:sp>
+        <p:nvSpPr>
+          <p:cNvPr id="127" name="Shape 127"/>
+          <p:cNvSpPr/>
+          <p:nvPr/>
+        </p:nvSpPr>
+        <p:spPr>
+          <a:xfrm flipV="1">
+            <a:off x="5189748" y="5287374"/>
+            <a:ext cx="1" cy="427626"/>
+          </a:xfrm>
+          <a:prstGeom prst="line">
+            <a:avLst/>
+          </a:prstGeom>
+          <a:ln w="25400">
+            <a:solidFill>
+              <a:schemeClr val="tx1"/>
+            </a:solidFill>
+            <a:miter lim="400000"/>
+          </a:ln>
+        </p:spPr>
+        <p:txBody>
+          <a:bodyPr lIns="0" tIns="0" rIns="0" bIns="0" anchor="ctr"/>
+          <a:lstStyle/>
+          <a:p>
+            <a:pPr lvl="0">
+              <a:defRPr sz="3000">
+                <a:solidFill>
+                  <a:srgbClr val="FFFFFF"/>
+                </a:solidFill>
+                <a:effectLst>
+                  <a:outerShdw blurRad="38100" dist="12700" dir="5400000" rotWithShape="0">
+                    <a:srgbClr val="000000">
+                      <a:alpha val="80000"/>
+                    </a:srgbClr>
+                  </a:outerShdw>
+                </a:effectLst>
+              </a:defRPr>
+            </a:pPr>
+            <a:endParaRPr/>
+          </a:p>
+        </p:txBody>
+      </p:sp>
+      <p:sp>
+        <p:nvSpPr>
+          <p:cNvPr id="128" name="Shape 128"/>
+          <p:cNvSpPr/>
+          <p:nvPr/>
+        </p:nvSpPr>
+        <p:spPr>
+          <a:xfrm>
+            <a:off x="5189748" y="5706070"/>
+            <a:ext cx="366118" cy="0"/>
+          </a:xfrm>
+          <a:prstGeom prst="line">
+            <a:avLst/>
+          </a:prstGeom>
+          <a:ln w="25400">
+            <a:solidFill>
+              <a:schemeClr val="tx1"/>
+            </a:solidFill>
+            <a:miter lim="400000"/>
+          </a:ln>
+        </p:spPr>
+        <p:txBody>
+          <a:bodyPr lIns="0" tIns="0" rIns="0" bIns="0" anchor="ctr"/>
+          <a:lstStyle/>
+          <a:p>
+            <a:pPr lvl="0">
+              <a:defRPr sz="3000">
+                <a:solidFill>
+                  <a:srgbClr val="FFFFFF"/>
+                </a:solidFill>
+                <a:effectLst>
+                  <a:outerShdw blurRad="38100" dist="12700" dir="5400000" rotWithShape="0">
+                    <a:srgbClr val="000000">
+                      <a:alpha val="80000"/>
+                    </a:srgbClr>
+                  </a:outerShdw>
+                </a:effectLst>
+              </a:defRPr>
+            </a:pPr>
+            <a:endParaRPr/>
+          </a:p>
+        </p:txBody>
+      </p:sp>
+      <p:sp>
+        <p:nvSpPr>
+          <p:cNvPr id="129" name="Shape 129"/>
+          <p:cNvSpPr/>
+          <p:nvPr/>
+        </p:nvSpPr>
+        <p:spPr>
+          <a:xfrm flipV="1">
+            <a:off x="5555865" y="5292339"/>
+            <a:ext cx="1" cy="412732"/>
+          </a:xfrm>
+          <a:prstGeom prst="line">
+            <a:avLst/>
+          </a:prstGeom>
+          <a:ln w="25400">
+            <a:solidFill>
+              <a:schemeClr val="tx1"/>
+            </a:solidFill>
+            <a:miter lim="400000"/>
+          </a:ln>
+        </p:spPr>
+        <p:txBody>
+          <a:bodyPr lIns="0" tIns="0" rIns="0" bIns="0" anchor="ctr"/>
+          <a:lstStyle/>
+          <a:p>
+            <a:pPr lvl="0">
+              <a:defRPr sz="3000">
+                <a:solidFill>
+                  <a:srgbClr val="FFFFFF"/>
+                </a:solidFill>
+                <a:effectLst>
+                  <a:outerShdw blurRad="38100" dist="12700" dir="5400000" rotWithShape="0">
+                    <a:srgbClr val="000000">
+                      <a:alpha val="80000"/>
+                    </a:srgbClr>
+                  </a:outerShdw>
+                </a:effectLst>
+              </a:defRPr>
+            </a:pPr>
+            <a:endParaRPr/>
+          </a:p>
+        </p:txBody>
+      </p:sp>
+      <p:sp>
+        <p:nvSpPr>
+          <p:cNvPr id="130" name="Shape 130"/>
+          <p:cNvSpPr/>
+          <p:nvPr/>
+        </p:nvSpPr>
+        <p:spPr>
+          <a:xfrm>
+            <a:off x="5546934" y="5291340"/>
+            <a:ext cx="380780" cy="1"/>
+          </a:xfrm>
+          <a:prstGeom prst="line">
+            <a:avLst/>
+          </a:prstGeom>
+          <a:ln w="25400">
+            <a:solidFill>
+              <a:schemeClr val="tx1"/>
+            </a:solidFill>
+            <a:miter lim="400000"/>
+          </a:ln>
+        </p:spPr>
+        <p:txBody>
+          <a:bodyPr lIns="0" tIns="0" rIns="0" bIns="0" anchor="ctr"/>
+          <a:lstStyle/>
+          <a:p>
+            <a:pPr lvl="0">
+              <a:defRPr sz="3000">
+                <a:solidFill>
+                  <a:srgbClr val="FFFFFF"/>
+                </a:solidFill>
+                <a:effectLst>
+                  <a:outerShdw blurRad="38100" dist="12700" dir="5400000" rotWithShape="0">
+                    <a:srgbClr val="000000">
+                      <a:alpha val="80000"/>
+                    </a:srgbClr>
+                  </a:outerShdw>
+                </a:effectLst>
+              </a:defRPr>
+            </a:pPr>
+            <a:endParaRPr/>
+          </a:p>
+        </p:txBody>
+      </p:sp>
+      <p:sp>
+        <p:nvSpPr>
+          <p:cNvPr id="131" name="Shape 131"/>
+          <p:cNvSpPr/>
+          <p:nvPr/>
+        </p:nvSpPr>
+        <p:spPr>
+          <a:xfrm flipV="1">
+            <a:off x="5921982" y="5292339"/>
+            <a:ext cx="1" cy="427626"/>
+          </a:xfrm>
+          <a:prstGeom prst="line">
+            <a:avLst/>
+          </a:prstGeom>
+          <a:ln w="25400">
+            <a:solidFill>
+              <a:schemeClr val="tx1"/>
+            </a:solidFill>
+            <a:miter lim="400000"/>
+          </a:ln>
+        </p:spPr>
+        <p:txBody>
+          <a:bodyPr lIns="0" tIns="0" rIns="0" bIns="0" anchor="ctr"/>
+          <a:lstStyle/>
+          <a:p>
+            <a:pPr lvl="0">
+              <a:defRPr sz="3000">
+                <a:solidFill>
+                  <a:srgbClr val="FFFFFF"/>
+                </a:solidFill>
+                <a:effectLst>
+                  <a:outerShdw blurRad="38100" dist="12700" dir="5400000" rotWithShape="0">
+                    <a:srgbClr val="000000">
+                      <a:alpha val="80000"/>
+                    </a:srgbClr>
+                  </a:outerShdw>
+                </a:effectLst>
+              </a:defRPr>
+            </a:pPr>
+            <a:endParaRPr/>
+          </a:p>
+        </p:txBody>
+      </p:sp>
+      <p:sp>
+        <p:nvSpPr>
+          <p:cNvPr id="132" name="Shape 132"/>
+          <p:cNvSpPr/>
+          <p:nvPr/>
+        </p:nvSpPr>
+        <p:spPr>
+          <a:xfrm>
+            <a:off x="5921981" y="5711036"/>
+            <a:ext cx="380780" cy="1"/>
+          </a:xfrm>
+          <a:prstGeom prst="line">
+            <a:avLst/>
+          </a:prstGeom>
+          <a:ln w="25400">
+            <a:solidFill>
+              <a:schemeClr val="tx1"/>
+            </a:solidFill>
+            <a:miter lim="400000"/>
+          </a:ln>
+        </p:spPr>
+        <p:txBody>
+          <a:bodyPr lIns="0" tIns="0" rIns="0" bIns="0" anchor="ctr"/>
+          <a:lstStyle/>
+          <a:p>
+            <a:pPr lvl="0">
+              <a:defRPr sz="3000">
+                <a:solidFill>
+                  <a:srgbClr val="FFFFFF"/>
+                </a:solidFill>
+                <a:effectLst>
+                  <a:outerShdw blurRad="38100" dist="12700" dir="5400000" rotWithShape="0">
+                    <a:srgbClr val="000000">
+                      <a:alpha val="80000"/>
+                    </a:srgbClr>
+                  </a:outerShdw>
+                </a:effectLst>
+              </a:defRPr>
+            </a:pPr>
+            <a:endParaRPr/>
+          </a:p>
+        </p:txBody>
+      </p:sp>
+      <p:sp>
+        <p:nvSpPr>
+          <p:cNvPr id="133" name="Shape 133"/>
+          <p:cNvSpPr/>
+          <p:nvPr/>
+        </p:nvSpPr>
+        <p:spPr>
+          <a:xfrm flipH="1" flipV="1">
+            <a:off x="4439653" y="5795367"/>
+            <a:ext cx="514974" cy="514974"/>
+          </a:xfrm>
+          <a:prstGeom prst="line">
+            <a:avLst/>
+          </a:prstGeom>
+          <a:ln w="25400">
+            <a:solidFill>
+              <a:srgbClr val="D41D03"/>
+            </a:solidFill>
+            <a:miter lim="400000"/>
+            <a:tailEnd type="triangle"/>
+          </a:ln>
+        </p:spPr>
+        <p:txBody>
+          <a:bodyPr lIns="0" tIns="0" rIns="0" bIns="0" anchor="ctr"/>
+          <a:lstStyle/>
+          <a:p>
+            <a:pPr lvl="0">
+              <a:defRPr sz="3000">
+                <a:solidFill>
+                  <a:srgbClr val="FFFFFF"/>
+                </a:solidFill>
+                <a:effectLst>
+                  <a:outerShdw blurRad="38100" dist="12700" dir="5400000" rotWithShape="0">
+                    <a:srgbClr val="000000">
+                      <a:alpha val="80000"/>
+                    </a:srgbClr>
+                  </a:outerShdw>
+                </a:effectLst>
+              </a:defRPr>
+            </a:pPr>
+            <a:endParaRPr/>
+          </a:p>
+        </p:txBody>
+      </p:sp>
+      <p:sp>
+        <p:nvSpPr>
+          <p:cNvPr id="134" name="Shape 134"/>
+          <p:cNvSpPr/>
+          <p:nvPr/>
+        </p:nvSpPr>
+        <p:spPr>
+          <a:xfrm>
+            <a:off x="4001308" y="6288811"/>
+            <a:ext cx="2447740" cy="349126"/>
+          </a:xfrm>
+          <a:prstGeom prst="rect">
+            <a:avLst/>
+          </a:prstGeom>
+          <a:ln w="12700">
+            <a:miter lim="400000"/>
+          </a:ln>
+          <a:extLst>
+            <a:ext uri="{C572A759-6A51-4108-AA02-DFA0A04FC94B}">
+              <ma14:wrappingTextBoxFlag xmlns:ma14="http://schemas.microsoft.com/office/mac/drawingml/2011/main" val="1"/>
+            </a:ext>
+          </a:extLst>
+        </p:spPr>
+        <p:txBody>
+          <a:bodyPr wrap="none" lIns="35715" tIns="35715" rIns="35715" bIns="35715" anchor="ctr">
+            <a:spAutoFit/>
+          </a:bodyPr>
+          <a:lstStyle>
+            <a:lvl1pPr>
+              <a:defRPr sz="2100"/>
+            </a:lvl1pPr>
+          </a:lstStyle>
+          <a:p>
+            <a:pPr lvl="0">
+              <a:defRPr sz="1800">
+                <a:solidFill>
+                  <a:srgbClr val="000000"/>
+                </a:solidFill>
+                <a:effectLst/>
+              </a:defRPr>
+            </a:pPr>
+            <a:r>
+              <a:rPr/>
+              <a:t>Slave stretching the clock</a:t>
+            </a:r>
+          </a:p>
+        </p:txBody>
+      </p:sp>
+      <p:sp>
+        <p:nvSpPr>
+          <p:cNvPr id="135" name="Shape 135"/>
+          <p:cNvSpPr/>
+          <p:nvPr/>
+        </p:nvSpPr>
+        <p:spPr>
+          <a:xfrm>
+            <a:off x="1662584" y="5331590"/>
+            <a:ext cx="572452" cy="349126"/>
+          </a:xfrm>
+          <a:prstGeom prst="rect">
+            <a:avLst/>
+          </a:prstGeom>
+          <a:ln w="12700">
+            <a:solidFill>
+              <a:schemeClr val="tx1"/>
+            </a:solidFill>
+            <a:miter lim="400000"/>
+          </a:ln>
+          <a:extLst>
+            <a:ext uri="{C572A759-6A51-4108-AA02-DFA0A04FC94B}">
+              <ma14:wrappingTextBoxFlag xmlns:ma14="http://schemas.microsoft.com/office/mac/drawingml/2011/main" val="1"/>
+            </a:ext>
+          </a:extLst>
+        </p:spPr>
+        <p:txBody>
+          <a:bodyPr wrap="none" lIns="35715" tIns="35715" rIns="35715" bIns="35715" anchor="ctr">
+            <a:spAutoFit/>
+          </a:bodyPr>
+          <a:lstStyle>
+            <a:lvl1pPr>
+              <a:defRPr sz="2500"/>
+            </a:lvl1pPr>
+          </a:lstStyle>
+          <a:p>
+            <a:pPr lvl="0">
+              <a:defRPr sz="1800">
+                <a:solidFill>
+                  <a:srgbClr val="000000"/>
+                </a:solidFill>
+                <a:effectLst/>
+              </a:defRPr>
+            </a:pPr>
+            <a:r>
+              <a:rPr sz="1800"/>
+              <a:t>Clock</a:t>
+            </a:r>
+          </a:p>
+        </p:txBody>
+      </p:sp>
+    </p:spTree>
+    <p:extLst>
+      <p:ext uri="{BB962C8B-B14F-4D97-AF65-F5344CB8AC3E}">
+        <p14:creationId xmlns:p14="http://schemas.microsoft.com/office/powerpoint/2010/main" val="1456300832"/>
+      </p:ext>
+    </p:extLst>
+  </p:cSld>
+  <p:clrMapOvr>
+    <a:masterClrMapping/>
+  </p:clrMapOvr>
+  <mc:AlternateContent xmlns:mc="http://schemas.openxmlformats.org/markup-compatibility/2006">
+    <mc:Choice xmlns:p14="http://schemas.microsoft.com/office/powerpoint/2010/main" Requires="p14">
+      <p:transition spd="slow" p14:dur="2000"/>
+    </mc:Choice>
+    <mc:Fallback>
+      <p:transition xmlns:p14="http://schemas.microsoft.com/office/powerpoint/2010/main" spd="slow"/>
+    </mc:Fallback>
+  </mc:AlternateContent>
+  <p:timing>
+    <p:tnLst>
+      <p:par>
+        <p:cTn xmlns:p14="http://schemas.microsoft.com/office/powerpoint/2010/main" id="1" dur="indefinite" restart="never" nodeType="tmRoot"/>
+      </p:par>
+    </p:tnLst>
+  </p:timing>
+</p:sld>
+</file>
+
+<file path=ppt/slides/slide19.xml><?xml version="1.0" encoding="utf-8"?>
 <p:sld xmlns:a="http://schemas.openxmlformats.org/drawingml/2006/main" xmlns:r="http://schemas.openxmlformats.org/officeDocument/2006/relationships" xmlns:p="http://schemas.openxmlformats.org/presentationml/2006/main">
   <p:cSld>
     <p:spTree>
@@ -5187,7 +7310,101 @@
 </p:sld>
 </file>
 
-<file path=ppt/slides/slide15.xml><?xml version="1.0" encoding="utf-8"?>
+<file path=ppt/slides/slide2.xml><?xml version="1.0" encoding="utf-8"?>
+<p:sld xmlns:a="http://schemas.openxmlformats.org/drawingml/2006/main" xmlns:r="http://schemas.openxmlformats.org/officeDocument/2006/relationships" xmlns:p="http://schemas.openxmlformats.org/presentationml/2006/main">
+  <p:cSld>
+    <p:spTree>
+      <p:nvGrpSpPr>
+        <p:cNvPr id="1" name=""/>
+        <p:cNvGrpSpPr/>
+        <p:nvPr/>
+      </p:nvGrpSpPr>
+      <p:grpSpPr>
+        <a:xfrm>
+          <a:off x="0" y="0"/>
+          <a:ext cx="0" cy="0"/>
+          <a:chOff x="0" y="0"/>
+          <a:chExt cx="0" cy="0"/>
+        </a:xfrm>
+      </p:grpSpPr>
+      <p:sp>
+        <p:nvSpPr>
+          <p:cNvPr id="2" name="Title 1"/>
+          <p:cNvSpPr>
+            <a:spLocks noGrp="1"/>
+          </p:cNvSpPr>
+          <p:nvPr>
+            <p:ph type="ctrTitle"/>
+          </p:nvPr>
+        </p:nvSpPr>
+        <p:spPr/>
+        <p:txBody>
+          <a:bodyPr/>
+          <a:lstStyle/>
+          <a:p>
+            <a:r>
+              <a:rPr lang="en-US" dirty="0" smtClean="0"/>
+              <a:t>Lab 3: </a:t>
+            </a:r>
+            <a:r>
+              <a:rPr lang="en-US" dirty="0"/>
+              <a:t>The IMU, The Gimbals, and the Motor</a:t>
+            </a:r>
+          </a:p>
+        </p:txBody>
+      </p:sp>
+      <p:sp>
+        <p:nvSpPr>
+          <p:cNvPr id="3" name="Subtitle 2"/>
+          <p:cNvSpPr>
+            <a:spLocks noGrp="1"/>
+          </p:cNvSpPr>
+          <p:nvPr>
+            <p:ph type="subTitle" idx="1"/>
+          </p:nvPr>
+        </p:nvSpPr>
+        <p:spPr/>
+        <p:txBody>
+          <a:bodyPr/>
+          <a:lstStyle/>
+          <a:p>
+            <a:r>
+              <a:rPr lang="en-US" dirty="0" smtClean="0"/>
+              <a:t>Due midnight, April </a:t>
+            </a:r>
+            <a:r>
+              <a:rPr lang="en-US" dirty="0" smtClean="0"/>
+              <a:t>11</a:t>
+            </a:r>
+            <a:r>
+              <a:rPr lang="en-US" baseline="30000" dirty="0" smtClean="0"/>
+              <a:t>th</a:t>
+            </a:r>
+            <a:endParaRPr lang="en-US" dirty="0"/>
+          </a:p>
+        </p:txBody>
+      </p:sp>
+    </p:spTree>
+    <p:extLst>
+      <p:ext uri="{BB962C8B-B14F-4D97-AF65-F5344CB8AC3E}">
+        <p14:creationId xmlns:p14="http://schemas.microsoft.com/office/powerpoint/2010/main" val="2162257141"/>
+      </p:ext>
+    </p:extLst>
+  </p:cSld>
+  <p:clrMapOvr>
+    <a:masterClrMapping/>
+  </p:clrMapOvr>
+  <p:timing>
+    <p:tnLst>
+      <p:par>
+        <p:cTn xmlns:p14="http://schemas.microsoft.com/office/powerpoint/2010/main" id="1" dur="indefinite" restart="never" nodeType="tmRoot"/>
+      </p:par>
+    </p:tnLst>
+  </p:timing>
+</p:sld>
+</file>
+
+<file path=ppt/slides/slide20.xml><?xml version="1.0" encoding="utf-8"?>
 <p:sld xmlns:a="http://schemas.openxmlformats.org/drawingml/2006/main" xmlns:r="http://schemas.openxmlformats.org/officeDocument/2006/relationships" xmlns:p="http://schemas.openxmlformats.org/presentationml/2006/main">
   <p:cSld>
     <p:spTree>
@@ -5336,7 +7553,7 @@
 </p:sld>
 </file>
 
-<file path=ppt/slides/slide16.xml><?xml version="1.0" encoding="utf-8"?>
+<file path=ppt/slides/slide21.xml><?xml version="1.0" encoding="utf-8"?>
 <p:sld xmlns:a="http://schemas.openxmlformats.org/drawingml/2006/main" xmlns:r="http://schemas.openxmlformats.org/officeDocument/2006/relationships" xmlns:p="http://schemas.openxmlformats.org/presentationml/2006/main">
   <p:cSld>
     <p:spTree>
@@ -5486,7 +7703,7 @@
 </p:sld>
 </file>
 
-<file path=ppt/slides/slide17.xml><?xml version="1.0" encoding="utf-8"?>
+<file path=ppt/slides/slide22.xml><?xml version="1.0" encoding="utf-8"?>
 <p:sld xmlns:a="http://schemas.openxmlformats.org/drawingml/2006/main" xmlns:r="http://schemas.openxmlformats.org/officeDocument/2006/relationships" xmlns:p="http://schemas.openxmlformats.org/presentationml/2006/main">
   <p:cSld>
     <p:spTree>
@@ -5627,7 +7844,121 @@
 </p:sld>
 </file>
 
-<file path=ppt/slides/slide18.xml><?xml version="1.0" encoding="utf-8"?>
+<file path=ppt/slides/slide23.xml><?xml version="1.0" encoding="utf-8"?>
+<p:sld xmlns:a="http://schemas.openxmlformats.org/drawingml/2006/main" xmlns:r="http://schemas.openxmlformats.org/officeDocument/2006/relationships" xmlns:p="http://schemas.openxmlformats.org/presentationml/2006/main">
+  <p:cSld>
+    <p:spTree>
+      <p:nvGrpSpPr>
+        <p:cNvPr id="1" name=""/>
+        <p:cNvGrpSpPr/>
+        <p:nvPr/>
+      </p:nvGrpSpPr>
+      <p:grpSpPr>
+        <a:xfrm>
+          <a:off x="0" y="0"/>
+          <a:ext cx="0" cy="0"/>
+          <a:chOff x="0" y="0"/>
+          <a:chExt cx="0" cy="0"/>
+        </a:xfrm>
+      </p:grpSpPr>
+      <p:sp>
+        <p:nvSpPr>
+          <p:cNvPr id="2" name="Title 1"/>
+          <p:cNvSpPr>
+            <a:spLocks noGrp="1"/>
+          </p:cNvSpPr>
+          <p:nvPr>
+            <p:ph type="title"/>
+          </p:nvPr>
+        </p:nvSpPr>
+        <p:spPr/>
+        <p:txBody>
+          <a:bodyPr/>
+          <a:lstStyle/>
+          <a:p>
+            <a:r>
+              <a:rPr lang="en-US" dirty="0" smtClean="0"/>
+              <a:t>Measuring the Gimbals	</a:t>
+            </a:r>
+            <a:endParaRPr lang="en-US" dirty="0"/>
+          </a:p>
+        </p:txBody>
+      </p:sp>
+      <p:sp>
+        <p:nvSpPr>
+          <p:cNvPr id="3" name="Content Placeholder 2"/>
+          <p:cNvSpPr>
+            <a:spLocks noGrp="1"/>
+          </p:cNvSpPr>
+          <p:nvPr>
+            <p:ph idx="1"/>
+          </p:nvPr>
+        </p:nvSpPr>
+        <p:spPr/>
+        <p:txBody>
+          <a:bodyPr/>
+          <a:lstStyle/>
+          <a:p>
+            <a:r>
+              <a:rPr lang="en-US" dirty="0" smtClean="0"/>
+              <a:t>You need the </a:t>
+            </a:r>
+            <a:r>
+              <a:rPr lang="en-US" dirty="0" err="1" smtClean="0"/>
+              <a:t>analogread</a:t>
+            </a:r>
+            <a:r>
+              <a:rPr lang="en-US" dirty="0" smtClean="0"/>
+              <a:t>() function in </a:t>
+            </a:r>
+            <a:r>
+              <a:rPr lang="en-US" dirty="0" err="1" smtClean="0"/>
+              <a:t>arduino</a:t>
+            </a:r>
+            <a:r>
+              <a:rPr lang="en-US" dirty="0" smtClean="0"/>
+              <a:t>.</a:t>
+            </a:r>
+          </a:p>
+          <a:p>
+            <a:pPr lvl="1"/>
+            <a:r>
+              <a:rPr lang="en-US" dirty="0">
+                <a:hlinkClick r:id="rId2"/>
+              </a:rPr>
+              <a:t>https://www.arduino.cc/en/Reference/</a:t>
+            </a:r>
+            <a:r>
+              <a:rPr lang="en-US" dirty="0" smtClean="0">
+                <a:hlinkClick r:id="rId2"/>
+              </a:rPr>
+              <a:t>AnalogRead</a:t>
+            </a:r>
+            <a:endParaRPr lang="en-US" dirty="0" smtClean="0"/>
+          </a:p>
+        </p:txBody>
+      </p:sp>
+    </p:spTree>
+    <p:extLst>
+      <p:ext uri="{BB962C8B-B14F-4D97-AF65-F5344CB8AC3E}">
+        <p14:creationId xmlns:p14="http://schemas.microsoft.com/office/powerpoint/2010/main" val="3164659235"/>
+      </p:ext>
+    </p:extLst>
+  </p:cSld>
+  <p:clrMapOvr>
+    <a:masterClrMapping/>
+  </p:clrMapOvr>
+  <p:timing>
+    <p:tnLst>
+      <p:par>
+        <p:cTn xmlns:p14="http://schemas.microsoft.com/office/powerpoint/2010/main" id="1" dur="indefinite" restart="never" nodeType="tmRoot"/>
+      </p:par>
+    </p:tnLst>
+  </p:timing>
+</p:sld>
+</file>
+
+<file path=ppt/slides/slide24.xml><?xml version="1.0" encoding="utf-8"?>
 <p:sld xmlns:a="http://schemas.openxmlformats.org/drawingml/2006/main" xmlns:r="http://schemas.openxmlformats.org/officeDocument/2006/relationships" xmlns:p="http://schemas.openxmlformats.org/presentationml/2006/main">
   <p:cSld>
     <p:spTree>
@@ -5706,7 +8037,7 @@
 </p:sld>
 </file>
 
-<file path=ppt/slides/slide19.xml><?xml version="1.0" encoding="utf-8"?>
+<file path=ppt/slides/slide25.xml><?xml version="1.0" encoding="utf-8"?>
 <p:sld xmlns:a="http://schemas.openxmlformats.org/drawingml/2006/main" xmlns:r="http://schemas.openxmlformats.org/officeDocument/2006/relationships" xmlns:p="http://schemas.openxmlformats.org/presentationml/2006/main">
   <p:cSld>
     <p:spTree>
@@ -5810,11 +8141,11 @@
   <p:clrMapOvr>
     <a:masterClrMapping/>
   </p:clrMapOvr>
-  <mc:AlternateContent xmlns:mc="http://schemas.openxmlformats.org/markup-compatibility/2006">
-    <mc:Choice xmlns:p14="http://schemas.microsoft.com/office/powerpoint/2010/main" Requires="p14">
+  <mc:AlternateContent xmlns:mc="http://schemas.openxmlformats.org/markup-compatibility/2006" xmlns:p14="http://schemas.microsoft.com/office/powerpoint/2010/main">
+    <mc:Choice Requires="p14">
       <p:transition spd="slow" p14:dur="2000"/>
     </mc:Choice>
-    <mc:Fallback>
+    <mc:Fallback xmlns="">
       <p:transition xmlns:p14="http://schemas.microsoft.com/office/powerpoint/2010/main" spd="slow"/>
     </mc:Fallback>
   </mc:AlternateContent>
@@ -5828,114 +8159,7 @@
 </p:sld>
 </file>
 
-<file path=ppt/slides/slide2.xml><?xml version="1.0" encoding="utf-8"?>
-<p:sld xmlns:a="http://schemas.openxmlformats.org/drawingml/2006/main" xmlns:r="http://schemas.openxmlformats.org/officeDocument/2006/relationships" xmlns:p="http://schemas.openxmlformats.org/presentationml/2006/main">
-  <p:cSld>
-    <p:spTree>
-      <p:nvGrpSpPr>
-        <p:cNvPr id="1" name=""/>
-        <p:cNvGrpSpPr/>
-        <p:nvPr/>
-      </p:nvGrpSpPr>
-      <p:grpSpPr>
-        <a:xfrm>
-          <a:off x="0" y="0"/>
-          <a:ext cx="0" cy="0"/>
-          <a:chOff x="0" y="0"/>
-          <a:chExt cx="0" cy="0"/>
-        </a:xfrm>
-      </p:grpSpPr>
-      <p:sp>
-        <p:nvSpPr>
-          <p:cNvPr id="2" name="Title 1"/>
-          <p:cNvSpPr>
-            <a:spLocks noGrp="1"/>
-          </p:cNvSpPr>
-          <p:nvPr>
-            <p:ph type="title"/>
-          </p:nvPr>
-        </p:nvSpPr>
-        <p:spPr/>
-        <p:txBody>
-          <a:bodyPr/>
-          <a:lstStyle/>
-          <a:p>
-            <a:r>
-              <a:rPr lang="en-US" dirty="0" smtClean="0"/>
-              <a:t>Topics</a:t>
-            </a:r>
-            <a:endParaRPr lang="en-US" dirty="0"/>
-          </a:p>
-        </p:txBody>
-      </p:sp>
-      <p:sp>
-        <p:nvSpPr>
-          <p:cNvPr id="3" name="Content Placeholder 2"/>
-          <p:cNvSpPr>
-            <a:spLocks noGrp="1"/>
-          </p:cNvSpPr>
-          <p:nvPr>
-            <p:ph idx="1"/>
-          </p:nvPr>
-        </p:nvSpPr>
-        <p:spPr/>
-        <p:txBody>
-          <a:bodyPr/>
-          <a:lstStyle/>
-          <a:p>
-            <a:r>
-              <a:rPr lang="en-US" dirty="0" smtClean="0"/>
-              <a:t>Analog </a:t>
-            </a:r>
-            <a:r>
-              <a:rPr lang="en-US" dirty="0" smtClean="0"/>
-              <a:t>Inputs – How the microcontroller measure the position of the </a:t>
-            </a:r>
-            <a:r>
-              <a:rPr lang="en-US" dirty="0" smtClean="0"/>
-              <a:t>gimbals</a:t>
-            </a:r>
-          </a:p>
-          <a:p>
-            <a:r>
-              <a:rPr lang="en-US" dirty="0" smtClean="0"/>
-              <a:t>Brushed Motors – How they work and how to drive them.</a:t>
-            </a:r>
-          </a:p>
-          <a:p>
-            <a:r>
-              <a:rPr lang="en-US" dirty="0"/>
-              <a:t>I2C – How the microcontroller and IMU </a:t>
-            </a:r>
-            <a:r>
-              <a:rPr lang="en-US" dirty="0" smtClean="0"/>
-              <a:t>communicate</a:t>
-            </a:r>
-            <a:endParaRPr lang="en-US" dirty="0"/>
-          </a:p>
-        </p:txBody>
-      </p:sp>
-    </p:spTree>
-    <p:extLst>
-      <p:ext uri="{BB962C8B-B14F-4D97-AF65-F5344CB8AC3E}">
-        <p14:creationId xmlns:p14="http://schemas.microsoft.com/office/powerpoint/2010/main" val="3616619296"/>
-      </p:ext>
-    </p:extLst>
-  </p:cSld>
-  <p:clrMapOvr>
-    <a:masterClrMapping/>
-  </p:clrMapOvr>
-  <p:timing>
-    <p:tnLst>
-      <p:par>
-        <p:cTn xmlns:p14="http://schemas.microsoft.com/office/powerpoint/2010/main" id="1" dur="indefinite" restart="never" nodeType="tmRoot"/>
-      </p:par>
-    </p:tnLst>
-  </p:timing>
-</p:sld>
-</file>
-
-<file path=ppt/slides/slide20.xml><?xml version="1.0" encoding="utf-8"?>
+<file path=ppt/slides/slide26.xml><?xml version="1.0" encoding="utf-8"?>
 <p:sld xmlns:a="http://schemas.openxmlformats.org/drawingml/2006/main" xmlns:r="http://schemas.openxmlformats.org/officeDocument/2006/relationships" xmlns:p="http://schemas.openxmlformats.org/presentationml/2006/main">
   <p:cSld>
     <p:spTree>
@@ -6171,11 +8395,11 @@
   <p:clrMapOvr>
     <a:masterClrMapping/>
   </p:clrMapOvr>
-  <mc:AlternateContent xmlns:mc="http://schemas.openxmlformats.org/markup-compatibility/2006">
-    <mc:Choice xmlns:p14="http://schemas.microsoft.com/office/powerpoint/2010/main" Requires="p14">
+  <mc:AlternateContent xmlns:mc="http://schemas.openxmlformats.org/markup-compatibility/2006" xmlns:p14="http://schemas.microsoft.com/office/powerpoint/2010/main">
+    <mc:Choice Requires="p14">
       <p:transition spd="slow" p14:dur="2000"/>
     </mc:Choice>
-    <mc:Fallback>
+    <mc:Fallback xmlns="">
       <p:transition xmlns:p14="http://schemas.microsoft.com/office/powerpoint/2010/main" spd="slow"/>
     </mc:Fallback>
   </mc:AlternateContent>
@@ -6189,7 +8413,7 @@
 </p:sld>
 </file>
 
-<file path=ppt/slides/slide21.xml><?xml version="1.0" encoding="utf-8"?>
+<file path=ppt/slides/slide27.xml><?xml version="1.0" encoding="utf-8"?>
 <p:sld xmlns:a="http://schemas.openxmlformats.org/drawingml/2006/main" xmlns:r="http://schemas.openxmlformats.org/officeDocument/2006/relationships" xmlns:p="http://schemas.openxmlformats.org/presentationml/2006/main">
   <p:cSld>
     <p:spTree>
@@ -6263,11 +8487,11 @@
   <p:clrMapOvr>
     <a:masterClrMapping/>
   </p:clrMapOvr>
-  <mc:AlternateContent xmlns:mc="http://schemas.openxmlformats.org/markup-compatibility/2006">
-    <mc:Choice xmlns:p14="http://schemas.microsoft.com/office/powerpoint/2010/main" Requires="p14">
+  <mc:AlternateContent xmlns:mc="http://schemas.openxmlformats.org/markup-compatibility/2006" xmlns:p14="http://schemas.microsoft.com/office/powerpoint/2010/main">
+    <mc:Choice Requires="p14">
       <p:transition spd="slow" p14:dur="2000"/>
     </mc:Choice>
-    <mc:Fallback>
+    <mc:Fallback xmlns="">
       <p:transition xmlns:p14="http://schemas.microsoft.com/office/powerpoint/2010/main" spd="slow"/>
     </mc:Fallback>
   </mc:AlternateContent>
@@ -6281,7 +8505,7 @@
 </p:sld>
 </file>
 
-<file path=ppt/slides/slide22.xml><?xml version="1.0" encoding="utf-8"?>
+<file path=ppt/slides/slide28.xml><?xml version="1.0" encoding="utf-8"?>
 <p:sld xmlns:a="http://schemas.openxmlformats.org/drawingml/2006/main" xmlns:r="http://schemas.openxmlformats.org/officeDocument/2006/relationships" xmlns:p="http://schemas.openxmlformats.org/presentationml/2006/main">
   <p:cSld>
     <p:spTree>
@@ -6382,11 +8606,11 @@
   <p:clrMapOvr>
     <a:masterClrMapping/>
   </p:clrMapOvr>
-  <mc:AlternateContent xmlns:mc="http://schemas.openxmlformats.org/markup-compatibility/2006">
-    <mc:Choice xmlns:p14="http://schemas.microsoft.com/office/powerpoint/2010/main" Requires="p14">
+  <mc:AlternateContent xmlns:mc="http://schemas.openxmlformats.org/markup-compatibility/2006" xmlns:p14="http://schemas.microsoft.com/office/powerpoint/2010/main">
+    <mc:Choice Requires="p14">
       <p:transition spd="slow" p14:dur="2000"/>
     </mc:Choice>
-    <mc:Fallback>
+    <mc:Fallback xmlns="">
       <p:transition xmlns:p14="http://schemas.microsoft.com/office/powerpoint/2010/main" spd="slow"/>
     </mc:Fallback>
   </mc:AlternateContent>
@@ -6400,7 +8624,7 @@
 </p:sld>
 </file>
 
-<file path=ppt/slides/slide23.xml><?xml version="1.0" encoding="utf-8"?>
+<file path=ppt/slides/slide29.xml><?xml version="1.0" encoding="utf-8"?>
 <p:sld xmlns:a="http://schemas.openxmlformats.org/drawingml/2006/main" xmlns:r="http://schemas.openxmlformats.org/officeDocument/2006/relationships" xmlns:p="http://schemas.openxmlformats.org/presentationml/2006/main">
   <p:cSld>
     <p:spTree>
@@ -6501,11 +8725,11 @@
   <p:clrMapOvr>
     <a:masterClrMapping/>
   </p:clrMapOvr>
-  <mc:AlternateContent xmlns:mc="http://schemas.openxmlformats.org/markup-compatibility/2006">
-    <mc:Choice xmlns:p14="http://schemas.microsoft.com/office/powerpoint/2010/main" Requires="p14">
+  <mc:AlternateContent xmlns:mc="http://schemas.openxmlformats.org/markup-compatibility/2006" xmlns:p14="http://schemas.microsoft.com/office/powerpoint/2010/main">
+    <mc:Choice Requires="p14">
       <p:transition spd="slow" p14:dur="2000"/>
     </mc:Choice>
-    <mc:Fallback>
+    <mc:Fallback xmlns="">
       <p:transition xmlns:p14="http://schemas.microsoft.com/office/powerpoint/2010/main" spd="slow"/>
     </mc:Fallback>
   </mc:AlternateContent>
@@ -6519,7 +8743,106 @@
 </p:sld>
 </file>
 
-<file path=ppt/slides/slide24.xml><?xml version="1.0" encoding="utf-8"?>
+<file path=ppt/slides/slide3.xml><?xml version="1.0" encoding="utf-8"?>
+<p:sld xmlns:a="http://schemas.openxmlformats.org/drawingml/2006/main" xmlns:r="http://schemas.openxmlformats.org/officeDocument/2006/relationships" xmlns:p="http://schemas.openxmlformats.org/presentationml/2006/main">
+  <p:cSld>
+    <p:spTree>
+      <p:nvGrpSpPr>
+        <p:cNvPr id="1" name=""/>
+        <p:cNvGrpSpPr/>
+        <p:nvPr/>
+      </p:nvGrpSpPr>
+      <p:grpSpPr>
+        <a:xfrm>
+          <a:off x="0" y="0"/>
+          <a:ext cx="0" cy="0"/>
+          <a:chOff x="0" y="0"/>
+          <a:chExt cx="0" cy="0"/>
+        </a:xfrm>
+      </p:grpSpPr>
+      <p:sp>
+        <p:nvSpPr>
+          <p:cNvPr id="2" name="Title 1"/>
+          <p:cNvSpPr>
+            <a:spLocks noGrp="1"/>
+          </p:cNvSpPr>
+          <p:nvPr>
+            <p:ph type="title"/>
+          </p:nvPr>
+        </p:nvSpPr>
+        <p:spPr/>
+        <p:txBody>
+          <a:bodyPr/>
+          <a:lstStyle/>
+          <a:p>
+            <a:r>
+              <a:rPr lang="en-US" dirty="0" smtClean="0"/>
+              <a:t>Topics</a:t>
+            </a:r>
+            <a:endParaRPr lang="en-US" dirty="0"/>
+          </a:p>
+        </p:txBody>
+      </p:sp>
+      <p:sp>
+        <p:nvSpPr>
+          <p:cNvPr id="3" name="Content Placeholder 2"/>
+          <p:cNvSpPr>
+            <a:spLocks noGrp="1"/>
+          </p:cNvSpPr>
+          <p:nvPr>
+            <p:ph idx="1"/>
+          </p:nvPr>
+        </p:nvSpPr>
+        <p:spPr/>
+        <p:txBody>
+          <a:bodyPr/>
+          <a:lstStyle/>
+          <a:p>
+            <a:r>
+              <a:rPr lang="en-US" dirty="0" smtClean="0"/>
+              <a:t>Analog Inputs – How the microcontroller measure the position of the gimbals</a:t>
+            </a:r>
+          </a:p>
+          <a:p>
+            <a:r>
+              <a:rPr lang="en-US" dirty="0" smtClean="0"/>
+              <a:t>Brushed Motors – How they work and how to drive them.</a:t>
+            </a:r>
+          </a:p>
+          <a:p>
+            <a:r>
+              <a:rPr lang="en-US" dirty="0"/>
+              <a:t>I2C – How the microcontroller and IMU </a:t>
+            </a:r>
+            <a:r>
+              <a:rPr lang="en-US" dirty="0" smtClean="0"/>
+              <a:t>communicate</a:t>
+            </a:r>
+            <a:endParaRPr lang="en-US" dirty="0"/>
+          </a:p>
+        </p:txBody>
+      </p:sp>
+    </p:spTree>
+    <p:extLst>
+      <p:ext uri="{BB962C8B-B14F-4D97-AF65-F5344CB8AC3E}">
+        <p14:creationId xmlns:p14="http://schemas.microsoft.com/office/powerpoint/2010/main" val="3616619296"/>
+      </p:ext>
+    </p:extLst>
+  </p:cSld>
+  <p:clrMapOvr>
+    <a:masterClrMapping/>
+  </p:clrMapOvr>
+  <p:timing>
+    <p:tnLst>
+      <p:par>
+        <p:cTn xmlns:p14="http://schemas.microsoft.com/office/powerpoint/2010/main" id="1" dur="indefinite" restart="never" nodeType="tmRoot"/>
+      </p:par>
+    </p:tnLst>
+  </p:timing>
+</p:sld>
+</file>
+
+<file path=ppt/slides/slide30.xml><?xml version="1.0" encoding="utf-8"?>
 <p:sld xmlns:a="http://schemas.openxmlformats.org/drawingml/2006/main" xmlns:r="http://schemas.openxmlformats.org/officeDocument/2006/relationships" xmlns:p="http://schemas.openxmlformats.org/presentationml/2006/main">
   <p:cSld>
     <p:spTree>
@@ -6620,11 +8943,11 @@
   <p:clrMapOvr>
     <a:masterClrMapping/>
   </p:clrMapOvr>
-  <mc:AlternateContent xmlns:mc="http://schemas.openxmlformats.org/markup-compatibility/2006">
-    <mc:Choice xmlns:p14="http://schemas.microsoft.com/office/powerpoint/2010/main" Requires="p14">
+  <mc:AlternateContent xmlns:mc="http://schemas.openxmlformats.org/markup-compatibility/2006" xmlns:p14="http://schemas.microsoft.com/office/powerpoint/2010/main">
+    <mc:Choice Requires="p14">
       <p:transition spd="slow" p14:dur="2000"/>
     </mc:Choice>
-    <mc:Fallback>
+    <mc:Fallback xmlns="">
       <p:transition xmlns:p14="http://schemas.microsoft.com/office/powerpoint/2010/main" spd="slow"/>
     </mc:Fallback>
   </mc:AlternateContent>
@@ -6638,7 +8961,7 @@
 </p:sld>
 </file>
 
-<file path=ppt/slides/slide25.xml><?xml version="1.0" encoding="utf-8"?>
+<file path=ppt/slides/slide31.xml><?xml version="1.0" encoding="utf-8"?>
 <p:sld xmlns:a="http://schemas.openxmlformats.org/drawingml/2006/main" xmlns:r="http://schemas.openxmlformats.org/officeDocument/2006/relationships" xmlns:p="http://schemas.openxmlformats.org/presentationml/2006/main">
   <p:cSld>
     <p:spTree>
@@ -6739,11 +9062,11 @@
   <p:clrMapOvr>
     <a:masterClrMapping/>
   </p:clrMapOvr>
-  <mc:AlternateContent xmlns:mc="http://schemas.openxmlformats.org/markup-compatibility/2006">
-    <mc:Choice xmlns:p14="http://schemas.microsoft.com/office/powerpoint/2010/main" Requires="p14">
+  <mc:AlternateContent xmlns:mc="http://schemas.openxmlformats.org/markup-compatibility/2006" xmlns:p14="http://schemas.microsoft.com/office/powerpoint/2010/main">
+    <mc:Choice Requires="p14">
       <p:transition spd="slow" p14:dur="2000"/>
     </mc:Choice>
-    <mc:Fallback>
+    <mc:Fallback xmlns="">
       <p:transition xmlns:p14="http://schemas.microsoft.com/office/powerpoint/2010/main" spd="slow"/>
     </mc:Fallback>
   </mc:AlternateContent>
@@ -6757,7 +9080,7 @@
 </p:sld>
 </file>
 
-<file path=ppt/slides/slide26.xml><?xml version="1.0" encoding="utf-8"?>
+<file path=ppt/slides/slide32.xml><?xml version="1.0" encoding="utf-8"?>
 <p:sld xmlns:a="http://schemas.openxmlformats.org/drawingml/2006/main" xmlns:r="http://schemas.openxmlformats.org/officeDocument/2006/relationships" xmlns:p="http://schemas.openxmlformats.org/presentationml/2006/main">
   <p:cSld>
     <p:spTree>
@@ -6858,11 +9181,11 @@
   <p:clrMapOvr>
     <a:masterClrMapping/>
   </p:clrMapOvr>
-  <mc:AlternateContent xmlns:mc="http://schemas.openxmlformats.org/markup-compatibility/2006">
-    <mc:Choice xmlns:p14="http://schemas.microsoft.com/office/powerpoint/2010/main" Requires="p14">
+  <mc:AlternateContent xmlns:mc="http://schemas.openxmlformats.org/markup-compatibility/2006" xmlns:p14="http://schemas.microsoft.com/office/powerpoint/2010/main">
+    <mc:Choice Requires="p14">
       <p:transition spd="slow" p14:dur="2000"/>
     </mc:Choice>
-    <mc:Fallback>
+    <mc:Fallback xmlns="">
       <p:transition xmlns:p14="http://schemas.microsoft.com/office/powerpoint/2010/main" spd="slow"/>
     </mc:Fallback>
   </mc:AlternateContent>
@@ -6876,7 +9199,7 @@
 </p:sld>
 </file>
 
-<file path=ppt/slides/slide27.xml><?xml version="1.0" encoding="utf-8"?>
+<file path=ppt/slides/slide33.xml><?xml version="1.0" encoding="utf-8"?>
 <p:sld xmlns:a="http://schemas.openxmlformats.org/drawingml/2006/main" xmlns:r="http://schemas.openxmlformats.org/officeDocument/2006/relationships" xmlns:p="http://schemas.openxmlformats.org/presentationml/2006/main">
   <p:cSld>
     <p:spTree>
@@ -6977,11 +9300,11 @@
   <p:clrMapOvr>
     <a:masterClrMapping/>
   </p:clrMapOvr>
-  <mc:AlternateContent xmlns:mc="http://schemas.openxmlformats.org/markup-compatibility/2006">
-    <mc:Choice xmlns:p14="http://schemas.microsoft.com/office/powerpoint/2010/main" Requires="p14">
+  <mc:AlternateContent xmlns:mc="http://schemas.openxmlformats.org/markup-compatibility/2006" xmlns:p14="http://schemas.microsoft.com/office/powerpoint/2010/main">
+    <mc:Choice Requires="p14">
       <p:transition spd="slow" p14:dur="2000"/>
     </mc:Choice>
-    <mc:Fallback>
+    <mc:Fallback xmlns="">
       <p:transition xmlns:p14="http://schemas.microsoft.com/office/powerpoint/2010/main" spd="slow"/>
     </mc:Fallback>
   </mc:AlternateContent>
@@ -6995,7 +9318,7 @@
 </p:sld>
 </file>
 
-<file path=ppt/slides/slide28.xml><?xml version="1.0" encoding="utf-8"?>
+<file path=ppt/slides/slide34.xml><?xml version="1.0" encoding="utf-8"?>
 <p:sld xmlns:a="http://schemas.openxmlformats.org/drawingml/2006/main" xmlns:r="http://schemas.openxmlformats.org/officeDocument/2006/relationships" xmlns:p="http://schemas.openxmlformats.org/presentationml/2006/main">
   <p:cSld>
     <p:spTree>
@@ -7096,11 +9419,11 @@
   <p:clrMapOvr>
     <a:masterClrMapping/>
   </p:clrMapOvr>
-  <mc:AlternateContent xmlns:mc="http://schemas.openxmlformats.org/markup-compatibility/2006">
-    <mc:Choice xmlns:p14="http://schemas.microsoft.com/office/powerpoint/2010/main" Requires="p14">
+  <mc:AlternateContent xmlns:mc="http://schemas.openxmlformats.org/markup-compatibility/2006" xmlns:p14="http://schemas.microsoft.com/office/powerpoint/2010/main">
+    <mc:Choice Requires="p14">
       <p:transition spd="slow" p14:dur="2000"/>
     </mc:Choice>
-    <mc:Fallback>
+    <mc:Fallback xmlns="">
       <p:transition xmlns:p14="http://schemas.microsoft.com/office/powerpoint/2010/main" spd="slow"/>
     </mc:Fallback>
   </mc:AlternateContent>
@@ -7114,7 +9437,7 @@
 </p:sld>
 </file>
 
-<file path=ppt/slides/slide29.xml><?xml version="1.0" encoding="utf-8"?>
+<file path=ppt/slides/slide35.xml><?xml version="1.0" encoding="utf-8"?>
 <p:sld xmlns:a="http://schemas.openxmlformats.org/drawingml/2006/main" xmlns:r="http://schemas.openxmlformats.org/officeDocument/2006/relationships" xmlns:p="http://schemas.openxmlformats.org/presentationml/2006/main" show="0">
   <p:cSld>
     <p:spTree>
@@ -7233,86 +9556,7 @@
 </p:sld>
 </file>
 
-<file path=ppt/slides/slide3.xml><?xml version="1.0" encoding="utf-8"?>
-<p:sld xmlns:a="http://schemas.openxmlformats.org/drawingml/2006/main" xmlns:r="http://schemas.openxmlformats.org/officeDocument/2006/relationships" xmlns:p="http://schemas.openxmlformats.org/presentationml/2006/main">
-  <p:cSld>
-    <p:spTree>
-      <p:nvGrpSpPr>
-        <p:cNvPr id="1" name=""/>
-        <p:cNvGrpSpPr/>
-        <p:nvPr/>
-      </p:nvGrpSpPr>
-      <p:grpSpPr>
-        <a:xfrm>
-          <a:off x="0" y="0"/>
-          <a:ext cx="0" cy="0"/>
-          <a:chOff x="0" y="0"/>
-          <a:chExt cx="0" cy="0"/>
-        </a:xfrm>
-      </p:grpSpPr>
-      <p:sp>
-        <p:nvSpPr>
-          <p:cNvPr id="2" name="Title 1"/>
-          <p:cNvSpPr>
-            <a:spLocks noGrp="1"/>
-          </p:cNvSpPr>
-          <p:nvPr>
-            <p:ph type="ctrTitle"/>
-          </p:nvPr>
-        </p:nvSpPr>
-        <p:spPr/>
-        <p:txBody>
-          <a:bodyPr/>
-          <a:lstStyle/>
-          <a:p>
-            <a:r>
-              <a:rPr lang="en-US" dirty="0" smtClean="0"/>
-              <a:t>I2C</a:t>
-            </a:r>
-            <a:endParaRPr lang="en-US" dirty="0"/>
-          </a:p>
-        </p:txBody>
-      </p:sp>
-      <p:sp>
-        <p:nvSpPr>
-          <p:cNvPr id="3" name="Subtitle 2"/>
-          <p:cNvSpPr>
-            <a:spLocks noGrp="1"/>
-          </p:cNvSpPr>
-          <p:nvPr>
-            <p:ph type="subTitle" idx="1"/>
-          </p:nvPr>
-        </p:nvSpPr>
-        <p:spPr/>
-        <p:txBody>
-          <a:bodyPr/>
-          <a:lstStyle/>
-          <a:p>
-            <a:endParaRPr lang="en-US"/>
-          </a:p>
-        </p:txBody>
-      </p:sp>
-    </p:spTree>
-    <p:extLst>
-      <p:ext uri="{BB962C8B-B14F-4D97-AF65-F5344CB8AC3E}">
-        <p14:creationId xmlns:p14="http://schemas.microsoft.com/office/powerpoint/2010/main" val="2781439055"/>
-      </p:ext>
-    </p:extLst>
-  </p:cSld>
-  <p:clrMapOvr>
-    <a:masterClrMapping/>
-  </p:clrMapOvr>
-  <p:timing>
-    <p:tnLst>
-      <p:par>
-        <p:cTn xmlns:p14="http://schemas.microsoft.com/office/powerpoint/2010/main" id="1" dur="indefinite" restart="never" nodeType="tmRoot"/>
-      </p:par>
-    </p:tnLst>
-  </p:timing>
-</p:sld>
-</file>
-
-<file path=ppt/slides/slide30.xml><?xml version="1.0" encoding="utf-8"?>
+<file path=ppt/slides/slide36.xml><?xml version="1.0" encoding="utf-8"?>
 <p:sld xmlns:a="http://schemas.openxmlformats.org/drawingml/2006/main" xmlns:r="http://schemas.openxmlformats.org/officeDocument/2006/relationships" xmlns:p="http://schemas.openxmlformats.org/presentationml/2006/main">
   <p:cSld>
     <p:spTree>
@@ -7444,11 +9688,11 @@
   <p:clrMapOvr>
     <a:masterClrMapping/>
   </p:clrMapOvr>
-  <mc:AlternateContent xmlns:mc="http://schemas.openxmlformats.org/markup-compatibility/2006">
-    <mc:Choice xmlns:p14="http://schemas.microsoft.com/office/powerpoint/2010/main" Requires="p14">
+  <mc:AlternateContent xmlns:mc="http://schemas.openxmlformats.org/markup-compatibility/2006" xmlns:p14="http://schemas.microsoft.com/office/powerpoint/2010/main">
+    <mc:Choice Requires="p14">
       <p:transition spd="slow" p14:dur="2000"/>
     </mc:Choice>
-    <mc:Fallback>
+    <mc:Fallback xmlns="">
       <p:transition xmlns:p14="http://schemas.microsoft.com/office/powerpoint/2010/main" spd="slow"/>
     </mc:Fallback>
   </mc:AlternateContent>
@@ -7462,7 +9706,7 @@
 </p:sld>
 </file>
 
-<file path=ppt/slides/slide31.xml><?xml version="1.0" encoding="utf-8"?>
+<file path=ppt/slides/slide37.xml><?xml version="1.0" encoding="utf-8"?>
 <p:sld xmlns:a="http://schemas.openxmlformats.org/drawingml/2006/main" xmlns:r="http://schemas.openxmlformats.org/officeDocument/2006/relationships" xmlns:p="http://schemas.openxmlformats.org/presentationml/2006/main" show="0">
   <p:cSld>
     <p:spTree>
@@ -7581,7 +9825,7 @@
 </p:sld>
 </file>
 
-<file path=ppt/slides/slide32.xml><?xml version="1.0" encoding="utf-8"?>
+<file path=ppt/slides/slide38.xml><?xml version="1.0" encoding="utf-8"?>
 <p:sld xmlns:a="http://schemas.openxmlformats.org/drawingml/2006/main" xmlns:r="http://schemas.openxmlformats.org/officeDocument/2006/relationships" xmlns:p="http://schemas.openxmlformats.org/presentationml/2006/main">
   <p:cSld>
     <p:spTree>
@@ -7686,11 +9930,11 @@
   <p:clrMapOvr>
     <a:masterClrMapping/>
   </p:clrMapOvr>
-  <mc:AlternateContent xmlns:mc="http://schemas.openxmlformats.org/markup-compatibility/2006">
-    <mc:Choice xmlns:p14="http://schemas.microsoft.com/office/powerpoint/2010/main" Requires="p14">
+  <mc:AlternateContent xmlns:mc="http://schemas.openxmlformats.org/markup-compatibility/2006" xmlns:p14="http://schemas.microsoft.com/office/powerpoint/2010/main">
+    <mc:Choice Requires="p14">
       <p:transition spd="slow" p14:dur="2000"/>
     </mc:Choice>
-    <mc:Fallback>
+    <mc:Fallback xmlns="">
       <p:transition xmlns:p14="http://schemas.microsoft.com/office/powerpoint/2010/main" spd="slow"/>
     </mc:Fallback>
   </mc:AlternateContent>
@@ -7704,7 +9948,7 @@
 </p:sld>
 </file>
 
-<file path=ppt/slides/slide33.xml><?xml version="1.0" encoding="utf-8"?>
+<file path=ppt/slides/slide39.xml><?xml version="1.0" encoding="utf-8"?>
 <p:sld xmlns:a="http://schemas.openxmlformats.org/drawingml/2006/main" xmlns:r="http://schemas.openxmlformats.org/officeDocument/2006/relationships" xmlns:p="http://schemas.openxmlformats.org/presentationml/2006/main" show="0">
   <p:cSld>
     <p:spTree>
@@ -7823,7 +10067,86 @@
 </p:sld>
 </file>
 
-<file path=ppt/slides/slide34.xml><?xml version="1.0" encoding="utf-8"?>
+<file path=ppt/slides/slide4.xml><?xml version="1.0" encoding="utf-8"?>
+<p:sld xmlns:a="http://schemas.openxmlformats.org/drawingml/2006/main" xmlns:r="http://schemas.openxmlformats.org/officeDocument/2006/relationships" xmlns:p="http://schemas.openxmlformats.org/presentationml/2006/main">
+  <p:cSld>
+    <p:spTree>
+      <p:nvGrpSpPr>
+        <p:cNvPr id="1" name=""/>
+        <p:cNvGrpSpPr/>
+        <p:nvPr/>
+      </p:nvGrpSpPr>
+      <p:grpSpPr>
+        <a:xfrm>
+          <a:off x="0" y="0"/>
+          <a:ext cx="0" cy="0"/>
+          <a:chOff x="0" y="0"/>
+          <a:chExt cx="0" cy="0"/>
+        </a:xfrm>
+      </p:grpSpPr>
+      <p:sp>
+        <p:nvSpPr>
+          <p:cNvPr id="2" name="Title 1"/>
+          <p:cNvSpPr>
+            <a:spLocks noGrp="1"/>
+          </p:cNvSpPr>
+          <p:nvPr>
+            <p:ph type="ctrTitle"/>
+          </p:nvPr>
+        </p:nvSpPr>
+        <p:spPr/>
+        <p:txBody>
+          <a:bodyPr/>
+          <a:lstStyle/>
+          <a:p>
+            <a:r>
+              <a:rPr lang="en-US" dirty="0" smtClean="0"/>
+              <a:t>I2C</a:t>
+            </a:r>
+            <a:endParaRPr lang="en-US" dirty="0"/>
+          </a:p>
+        </p:txBody>
+      </p:sp>
+      <p:sp>
+        <p:nvSpPr>
+          <p:cNvPr id="3" name="Subtitle 2"/>
+          <p:cNvSpPr>
+            <a:spLocks noGrp="1"/>
+          </p:cNvSpPr>
+          <p:nvPr>
+            <p:ph type="subTitle" idx="1"/>
+          </p:nvPr>
+        </p:nvSpPr>
+        <p:spPr/>
+        <p:txBody>
+          <a:bodyPr/>
+          <a:lstStyle/>
+          <a:p>
+            <a:endParaRPr lang="en-US"/>
+          </a:p>
+        </p:txBody>
+      </p:sp>
+    </p:spTree>
+    <p:extLst>
+      <p:ext uri="{BB962C8B-B14F-4D97-AF65-F5344CB8AC3E}">
+        <p14:creationId xmlns:p14="http://schemas.microsoft.com/office/powerpoint/2010/main" val="2781439055"/>
+      </p:ext>
+    </p:extLst>
+  </p:cSld>
+  <p:clrMapOvr>
+    <a:masterClrMapping/>
+  </p:clrMapOvr>
+  <p:timing>
+    <p:tnLst>
+      <p:par>
+        <p:cTn xmlns:p14="http://schemas.microsoft.com/office/powerpoint/2010/main" id="1" dur="indefinite" restart="never" nodeType="tmRoot"/>
+      </p:par>
+    </p:tnLst>
+  </p:timing>
+</p:sld>
+</file>
+
+<file path=ppt/slides/slide40.xml><?xml version="1.0" encoding="utf-8"?>
 <p:sld xmlns:a="http://schemas.openxmlformats.org/drawingml/2006/main" xmlns:r="http://schemas.openxmlformats.org/officeDocument/2006/relationships" xmlns:p="http://schemas.openxmlformats.org/presentationml/2006/main" show="0">
   <p:cSld>
     <p:spTree>
@@ -7920,7 +10243,7 @@
 </p:sld>
 </file>
 
-<file path=ppt/slides/slide35.xml><?xml version="1.0" encoding="utf-8"?>
+<file path=ppt/slides/slide41.xml><?xml version="1.0" encoding="utf-8"?>
 <p:sld xmlns:a="http://schemas.openxmlformats.org/drawingml/2006/main" xmlns:r="http://schemas.openxmlformats.org/officeDocument/2006/relationships" xmlns:p="http://schemas.openxmlformats.org/presentationml/2006/main">
   <p:cSld>
     <p:spTree>
@@ -8033,11 +10356,11 @@
   <p:clrMapOvr>
     <a:masterClrMapping/>
   </p:clrMapOvr>
-  <mc:AlternateContent xmlns:mc="http://schemas.openxmlformats.org/markup-compatibility/2006">
-    <mc:Choice xmlns:p14="http://schemas.microsoft.com/office/powerpoint/2010/main" Requires="p14">
+  <mc:AlternateContent xmlns:mc="http://schemas.openxmlformats.org/markup-compatibility/2006" xmlns:p14="http://schemas.microsoft.com/office/powerpoint/2010/main">
+    <mc:Choice Requires="p14">
       <p:transition spd="slow" p14:dur="2000"/>
     </mc:Choice>
-    <mc:Fallback>
+    <mc:Fallback xmlns="">
       <p:transition xmlns:p14="http://schemas.microsoft.com/office/powerpoint/2010/main" spd="slow"/>
     </mc:Fallback>
   </mc:AlternateContent>
@@ -8051,7 +10374,7 @@
 </p:sld>
 </file>
 
-<file path=ppt/slides/slide36.xml><?xml version="1.0" encoding="utf-8"?>
+<file path=ppt/slides/slide42.xml><?xml version="1.0" encoding="utf-8"?>
 <p:sld xmlns:a="http://schemas.openxmlformats.org/drawingml/2006/main" xmlns:r="http://schemas.openxmlformats.org/officeDocument/2006/relationships" xmlns:p="http://schemas.openxmlformats.org/presentationml/2006/main">
   <p:cSld>
     <p:spTree>
@@ -8154,11 +10477,11 @@
   <p:clrMapOvr>
     <a:masterClrMapping/>
   </p:clrMapOvr>
-  <mc:AlternateContent xmlns:mc="http://schemas.openxmlformats.org/markup-compatibility/2006">
-    <mc:Choice xmlns:p14="http://schemas.microsoft.com/office/powerpoint/2010/main" Requires="p14">
+  <mc:AlternateContent xmlns:mc="http://schemas.openxmlformats.org/markup-compatibility/2006" xmlns:p14="http://schemas.microsoft.com/office/powerpoint/2010/main">
+    <mc:Choice Requires="p14">
       <p:transition spd="slow" p14:dur="2000"/>
     </mc:Choice>
-    <mc:Fallback>
+    <mc:Fallback xmlns="">
       <p:transition xmlns:p14="http://schemas.microsoft.com/office/powerpoint/2010/main" spd="slow"/>
     </mc:Fallback>
   </mc:AlternateContent>
@@ -8172,7 +10495,7 @@
 </p:sld>
 </file>
 
-<file path=ppt/slides/slide37.xml><?xml version="1.0" encoding="utf-8"?>
+<file path=ppt/slides/slide43.xml><?xml version="1.0" encoding="utf-8"?>
 <p:sld xmlns:a="http://schemas.openxmlformats.org/drawingml/2006/main" xmlns:r="http://schemas.openxmlformats.org/officeDocument/2006/relationships" xmlns:p="http://schemas.openxmlformats.org/presentationml/2006/main">
   <p:cSld>
     <p:spTree>
@@ -8319,11 +10642,11 @@
   <p:clrMapOvr>
     <a:masterClrMapping/>
   </p:clrMapOvr>
-  <mc:AlternateContent xmlns:mc="http://schemas.openxmlformats.org/markup-compatibility/2006">
-    <mc:Choice xmlns:p14="http://schemas.microsoft.com/office/powerpoint/2010/main" Requires="p14">
+  <mc:AlternateContent xmlns:mc="http://schemas.openxmlformats.org/markup-compatibility/2006" xmlns:p14="http://schemas.microsoft.com/office/powerpoint/2010/main">
+    <mc:Choice Requires="p14">
       <p:transition spd="slow" p14:dur="2000"/>
     </mc:Choice>
-    <mc:Fallback>
+    <mc:Fallback xmlns="">
       <p:transition xmlns:p14="http://schemas.microsoft.com/office/powerpoint/2010/main" spd="slow"/>
     </mc:Fallback>
   </mc:AlternateContent>
@@ -8337,7 +10660,7 @@
 </p:sld>
 </file>
 
-<file path=ppt/slides/slide38.xml><?xml version="1.0" encoding="utf-8"?>
+<file path=ppt/slides/slide44.xml><?xml version="1.0" encoding="utf-8"?>
 <p:sld xmlns:a="http://schemas.openxmlformats.org/drawingml/2006/main" xmlns:r="http://schemas.openxmlformats.org/officeDocument/2006/relationships" xmlns:p="http://schemas.openxmlformats.org/presentationml/2006/main">
   <p:cSld>
     <p:spTree>
@@ -8416,11 +10739,11 @@
   <p:clrMapOvr>
     <a:masterClrMapping/>
   </p:clrMapOvr>
-  <mc:AlternateContent xmlns:mc="http://schemas.openxmlformats.org/markup-compatibility/2006">
-    <mc:Choice xmlns:p14="http://schemas.microsoft.com/office/powerpoint/2010/main" Requires="p14">
+  <mc:AlternateContent xmlns:mc="http://schemas.openxmlformats.org/markup-compatibility/2006" xmlns:p14="http://schemas.microsoft.com/office/powerpoint/2010/main">
+    <mc:Choice Requires="p14">
       <p:transition spd="slow" p14:dur="2000"/>
     </mc:Choice>
-    <mc:Fallback>
+    <mc:Fallback xmlns="">
       <p:transition xmlns:p14="http://schemas.microsoft.com/office/powerpoint/2010/main" spd="slow"/>
     </mc:Fallback>
   </mc:AlternateContent>
@@ -8434,7 +10757,7 @@
 </p:sld>
 </file>
 
-<file path=ppt/slides/slide39.xml><?xml version="1.0" encoding="utf-8"?>
+<file path=ppt/slides/slide45.xml><?xml version="1.0" encoding="utf-8"?>
 <p:sld xmlns:a="http://schemas.openxmlformats.org/drawingml/2006/main" xmlns:r="http://schemas.openxmlformats.org/officeDocument/2006/relationships" xmlns:p="http://schemas.openxmlformats.org/presentationml/2006/main">
   <p:cSld>
     <p:spTree>
@@ -8562,7 +10885,7 @@
 </p:sld>
 </file>
 
-<file path=ppt/slides/slide4.xml><?xml version="1.0" encoding="utf-8"?>
+<file path=ppt/slides/slide5.xml><?xml version="1.0" encoding="utf-8"?>
 <p:sld xmlns:a="http://schemas.openxmlformats.org/drawingml/2006/main" xmlns:r="http://schemas.openxmlformats.org/officeDocument/2006/relationships" xmlns:p="http://schemas.openxmlformats.org/presentationml/2006/main">
   <p:cSld>
     <p:spTree>
@@ -8673,168 +10996,7 @@
 </p:sld>
 </file>
 
-<file path=ppt/slides/slide40.xml><?xml version="1.0" encoding="utf-8"?>
-<p:sld xmlns:a="http://schemas.openxmlformats.org/drawingml/2006/main" xmlns:r="http://schemas.openxmlformats.org/officeDocument/2006/relationships" xmlns:p="http://schemas.openxmlformats.org/presentationml/2006/main">
-  <p:cSld>
-    <p:spTree>
-      <p:nvGrpSpPr>
-        <p:cNvPr id="1" name=""/>
-        <p:cNvGrpSpPr/>
-        <p:nvPr/>
-      </p:nvGrpSpPr>
-      <p:grpSpPr>
-        <a:xfrm>
-          <a:off x="0" y="0"/>
-          <a:ext cx="0" cy="0"/>
-          <a:chOff x="0" y="0"/>
-          <a:chExt cx="0" cy="0"/>
-        </a:xfrm>
-      </p:grpSpPr>
-      <p:sp>
-        <p:nvSpPr>
-          <p:cNvPr id="2" name="Title 1"/>
-          <p:cNvSpPr>
-            <a:spLocks noGrp="1"/>
-          </p:cNvSpPr>
-          <p:nvPr>
-            <p:ph type="title"/>
-          </p:nvPr>
-        </p:nvSpPr>
-        <p:spPr/>
-        <p:txBody>
-          <a:bodyPr/>
-          <a:lstStyle/>
-          <a:p>
-            <a:r>
-              <a:rPr lang="en-US" dirty="0" smtClean="0"/>
-              <a:t>Lab 3 Teams</a:t>
-            </a:r>
-            <a:endParaRPr lang="en-US" dirty="0"/>
-          </a:p>
-        </p:txBody>
-      </p:sp>
-      <p:sp>
-        <p:nvSpPr>
-          <p:cNvPr id="3" name="Content Placeholder 2"/>
-          <p:cNvSpPr>
-            <a:spLocks noGrp="1"/>
-          </p:cNvSpPr>
-          <p:nvPr>
-            <p:ph idx="1"/>
-          </p:nvPr>
-        </p:nvSpPr>
-        <p:spPr/>
-        <p:txBody>
-          <a:bodyPr/>
-          <a:lstStyle/>
-          <a:p>
-            <a:r>
-              <a:rPr lang="en-US" dirty="0" err="1"/>
-              <a:t>Tanima</a:t>
-            </a:r>
-            <a:r>
-              <a:rPr lang="en-US" dirty="0"/>
-              <a:t> </a:t>
-            </a:r>
-            <a:r>
-              <a:rPr lang="en-US" dirty="0" err="1"/>
-              <a:t>Shukla</a:t>
-            </a:r>
-            <a:r>
-              <a:rPr lang="en-US" dirty="0"/>
-              <a:t> and </a:t>
-            </a:r>
-            <a:r>
-              <a:rPr lang="en-US" dirty="0" err="1"/>
-              <a:t>Andranik</a:t>
-            </a:r>
-            <a:r>
-              <a:rPr lang="en-US" dirty="0"/>
-              <a:t> </a:t>
-            </a:r>
-            <a:r>
-              <a:rPr lang="en-US" dirty="0" err="1"/>
-              <a:t>Kulikyan</a:t>
-            </a:r>
-            <a:endParaRPr lang="en-US" dirty="0"/>
-          </a:p>
-          <a:p>
-            <a:r>
-              <a:rPr lang="en-US" dirty="0"/>
-              <a:t>David Smith and  Li, </a:t>
-            </a:r>
-            <a:r>
-              <a:rPr lang="en-US" dirty="0" err="1"/>
-              <a:t>Dejun</a:t>
-            </a:r>
-            <a:endParaRPr lang="en-US" dirty="0"/>
-          </a:p>
-          <a:p>
-            <a:r>
-              <a:rPr lang="en-US" dirty="0"/>
-              <a:t>Ryan Collins and  Smith, Trevor Alan</a:t>
-            </a:r>
-          </a:p>
-          <a:p>
-            <a:r>
-              <a:rPr lang="en-US" dirty="0" err="1"/>
-              <a:t>Spotkaeff</a:t>
-            </a:r>
-            <a:r>
-              <a:rPr lang="en-US" dirty="0"/>
-              <a:t>, </a:t>
-            </a:r>
-            <a:r>
-              <a:rPr lang="en-US" dirty="0" err="1"/>
-              <a:t>Kirt</a:t>
-            </a:r>
-            <a:r>
-              <a:rPr lang="en-US" dirty="0"/>
-              <a:t> </a:t>
-            </a:r>
-            <a:r>
-              <a:rPr lang="en-US" dirty="0" err="1"/>
-              <a:t>Kamawaipolani</a:t>
-            </a:r>
-            <a:r>
-              <a:rPr lang="en-US" dirty="0"/>
-              <a:t> and James Lee</a:t>
-            </a:r>
-          </a:p>
-          <a:p>
-            <a:r>
-              <a:rPr lang="en-US" dirty="0"/>
-              <a:t>Knapp, Daniel Alan and Matt </a:t>
-            </a:r>
-            <a:r>
-              <a:rPr lang="en-US" dirty="0" err="1"/>
-              <a:t>Asaro</a:t>
-            </a:r>
-            <a:endParaRPr lang="en-US" dirty="0"/>
-          </a:p>
-        </p:txBody>
-      </p:sp>
-    </p:spTree>
-    <p:extLst>
-      <p:ext uri="{BB962C8B-B14F-4D97-AF65-F5344CB8AC3E}">
-        <p14:creationId xmlns:p14="http://schemas.microsoft.com/office/powerpoint/2010/main" val="445857372"/>
-      </p:ext>
-    </p:extLst>
-  </p:cSld>
-  <p:clrMapOvr>
-    <a:masterClrMapping/>
-  </p:clrMapOvr>
-  <p:timing>
-    <p:tnLst>
-      <p:par>
-        <p:cTn xmlns:p14="http://schemas.microsoft.com/office/powerpoint/2010/main" id="1" dur="indefinite" restart="never" nodeType="tmRoot"/>
-      </p:par>
-    </p:tnLst>
-  </p:timing>
-</p:sld>
-</file>
-
-<file path=ppt/slides/slide5.xml><?xml version="1.0" encoding="utf-8"?>
+<file path=ppt/slides/slide6.xml><?xml version="1.0" encoding="utf-8"?>
 <p:sld xmlns:a="http://schemas.openxmlformats.org/drawingml/2006/main" xmlns:r="http://schemas.openxmlformats.org/officeDocument/2006/relationships" xmlns:p="http://schemas.openxmlformats.org/presentationml/2006/main">
   <p:cSld>
     <p:spTree>
@@ -8948,7 +11110,7 @@
 </p:sld>
 </file>
 
-<file path=ppt/slides/slide6.xml><?xml version="1.0" encoding="utf-8"?>
+<file path=ppt/slides/slide7.xml><?xml version="1.0" encoding="utf-8"?>
 <p:sld xmlns:a="http://schemas.openxmlformats.org/drawingml/2006/main" xmlns:r="http://schemas.openxmlformats.org/officeDocument/2006/relationships" xmlns:p="http://schemas.openxmlformats.org/presentationml/2006/main">
   <p:cSld>
     <p:spTree>
@@ -9125,7 +11287,7 @@
 </p:sld>
 </file>
 
-<file path=ppt/slides/slide7.xml><?xml version="1.0" encoding="utf-8"?>
+<file path=ppt/slides/slide8.xml><?xml version="1.0" encoding="utf-8"?>
 <p:sld xmlns:a="http://schemas.openxmlformats.org/drawingml/2006/main" xmlns:r="http://schemas.openxmlformats.org/officeDocument/2006/relationships" xmlns:p="http://schemas.openxmlformats.org/presentationml/2006/main">
   <p:cSld>
     <p:spTree>
@@ -9270,7 +11432,7 @@
 </p:sld>
 </file>
 
-<file path=ppt/slides/slide8.xml><?xml version="1.0" encoding="utf-8"?>
+<file path=ppt/slides/slide9.xml><?xml version="1.0" encoding="utf-8"?>
 <p:sld xmlns:a="http://schemas.openxmlformats.org/drawingml/2006/main" xmlns:r="http://schemas.openxmlformats.org/officeDocument/2006/relationships" xmlns:p="http://schemas.openxmlformats.org/presentationml/2006/main">
   <p:cSld>
     <p:spTree>
@@ -9362,8 +11524,9 @@
           <a:p>
             <a:r>
               <a:rPr lang="en-US" dirty="0" smtClean="0"/>
-              <a:t>Up to 1008 peripherals</a:t>
-            </a:r>
+              <a:t>You can have many peripherals</a:t>
+            </a:r>
+            <a:endParaRPr lang="en-US" dirty="0" smtClean="0"/>
           </a:p>
           <a:p>
             <a:pPr lvl="1"/>
@@ -9376,8 +11539,13 @@
             <a:pPr lvl="1"/>
             <a:r>
               <a:rPr lang="en-US" dirty="0" smtClean="0"/>
-              <a:t>Up to 127 “slaves” that masters communicate</a:t>
-            </a:r>
+              <a:t>Up to 127 “slaves” that </a:t>
+            </a:r>
+            <a:r>
+              <a:rPr lang="en-US" dirty="0" smtClean="0"/>
+              <a:t>master communicates with</a:t>
+            </a:r>
+            <a:endParaRPr lang="en-US" dirty="0" smtClean="0"/>
           </a:p>
           <a:p>
             <a:r>
@@ -9455,161 +11623,6 @@
     <p:extLst>
       <p:ext uri="{BB962C8B-B14F-4D97-AF65-F5344CB8AC3E}">
         <p14:creationId xmlns:p14="http://schemas.microsoft.com/office/powerpoint/2010/main" val="4136011813"/>
-      </p:ext>
-    </p:extLst>
-  </p:cSld>
-  <p:clrMapOvr>
-    <a:masterClrMapping/>
-  </p:clrMapOvr>
-  <p:timing>
-    <p:tnLst>
-      <p:par>
-        <p:cTn xmlns:p14="http://schemas.microsoft.com/office/powerpoint/2010/main" id="1" dur="indefinite" restart="never" nodeType="tmRoot"/>
-      </p:par>
-    </p:tnLst>
-  </p:timing>
-</p:sld>
-</file>
-
-<file path=ppt/slides/slide9.xml><?xml version="1.0" encoding="utf-8"?>
-<p:sld xmlns:a="http://schemas.openxmlformats.org/drawingml/2006/main" xmlns:r="http://schemas.openxmlformats.org/officeDocument/2006/relationships" xmlns:p="http://schemas.openxmlformats.org/presentationml/2006/main">
-  <p:cSld>
-    <p:spTree>
-      <p:nvGrpSpPr>
-        <p:cNvPr id="1" name=""/>
-        <p:cNvGrpSpPr/>
-        <p:nvPr/>
-      </p:nvGrpSpPr>
-      <p:grpSpPr>
-        <a:xfrm>
-          <a:off x="0" y="0"/>
-          <a:ext cx="0" cy="0"/>
-          <a:chOff x="0" y="0"/>
-          <a:chExt cx="0" cy="0"/>
-        </a:xfrm>
-      </p:grpSpPr>
-      <p:sp>
-        <p:nvSpPr>
-          <p:cNvPr id="2" name="Title 1"/>
-          <p:cNvSpPr>
-            <a:spLocks noGrp="1"/>
-          </p:cNvSpPr>
-          <p:nvPr>
-            <p:ph type="title"/>
-          </p:nvPr>
-        </p:nvSpPr>
-        <p:spPr/>
-        <p:txBody>
-          <a:bodyPr/>
-          <a:lstStyle/>
-          <a:p>
-            <a:r>
-              <a:rPr lang="en-US" dirty="0" smtClean="0"/>
-              <a:t>I</a:t>
-            </a:r>
-            <a:r>
-              <a:rPr lang="en-US" baseline="30000" dirty="0" smtClean="0"/>
-              <a:t>2</a:t>
-            </a:r>
-            <a:r>
-              <a:rPr lang="en-US" dirty="0" smtClean="0"/>
-              <a:t>C Addressing</a:t>
-            </a:r>
-            <a:endParaRPr lang="en-US" dirty="0"/>
-          </a:p>
-        </p:txBody>
-      </p:sp>
-      <p:sp>
-        <p:nvSpPr>
-          <p:cNvPr id="3" name="Content Placeholder 2"/>
-          <p:cNvSpPr>
-            <a:spLocks noGrp="1"/>
-          </p:cNvSpPr>
-          <p:nvPr>
-            <p:ph idx="1"/>
-          </p:nvPr>
-        </p:nvSpPr>
-        <p:spPr/>
-        <p:txBody>
-          <a:bodyPr>
-            <a:normAutofit fontScale="92500" lnSpcReduction="20000"/>
-          </a:bodyPr>
-          <a:lstStyle/>
-          <a:p>
-            <a:r>
-              <a:rPr lang="en-US" dirty="0" smtClean="0"/>
-              <a:t>Each slave on an I</a:t>
-            </a:r>
-            <a:r>
-              <a:rPr lang="en-US" baseline="30000" dirty="0" smtClean="0"/>
-              <a:t>2</a:t>
-            </a:r>
-            <a:r>
-              <a:rPr lang="en-US" dirty="0" smtClean="0"/>
-              <a:t>C bus has a unique address.</a:t>
-            </a:r>
-          </a:p>
-          <a:p>
-            <a:pPr lvl="1"/>
-            <a:r>
-              <a:rPr lang="en-US" dirty="0" smtClean="0"/>
-              <a:t>Most use 7 bit addresses (we discuss this here)</a:t>
-            </a:r>
-          </a:p>
-          <a:p>
-            <a:pPr lvl="1"/>
-            <a:r>
-              <a:rPr lang="en-US" dirty="0" smtClean="0"/>
-              <a:t>An extended 10-bit version also exists</a:t>
-            </a:r>
-          </a:p>
-          <a:p>
-            <a:r>
-              <a:rPr lang="en-US" dirty="0" smtClean="0"/>
-              <a:t>The addresses usually fixed or only partially configurable</a:t>
-            </a:r>
-          </a:p>
-          <a:p>
-            <a:pPr lvl="1"/>
-            <a:r>
-              <a:rPr lang="en-US" dirty="0" smtClean="0"/>
-              <a:t>E.g. Only the least-significant bit of the address for the IMU is settable</a:t>
-            </a:r>
-            <a:r>
-              <a:rPr lang="en-US" dirty="0" smtClean="0"/>
-              <a:t>.  So you can only have tw</a:t>
-            </a:r>
-            <a:r>
-              <a:rPr lang="en-US" dirty="0" smtClean="0"/>
-              <a:t>o of these IMUs on one bus.</a:t>
-            </a:r>
-            <a:endParaRPr lang="en-US" dirty="0" smtClean="0"/>
-          </a:p>
-          <a:p>
-            <a:pPr lvl="1"/>
-            <a:r>
-              <a:rPr lang="en-US" dirty="0" smtClean="0"/>
-              <a:t>Different devices will have different numbers of settable and fixed bits.</a:t>
-            </a:r>
-          </a:p>
-          <a:p>
-            <a:pPr lvl="1"/>
-            <a:r>
-              <a:rPr lang="en-US" dirty="0" smtClean="0"/>
-              <a:t>You can’t mix components arbitrarily on the bus</a:t>
-            </a:r>
-            <a:endParaRPr lang="en-US" dirty="0" smtClean="0"/>
-          </a:p>
-          <a:p>
-            <a:pPr lvl="1"/>
-            <a:endParaRPr lang="en-US" dirty="0"/>
-          </a:p>
-        </p:txBody>
-      </p:sp>
-    </p:spTree>
-    <p:extLst>
-      <p:ext uri="{BB962C8B-B14F-4D97-AF65-F5344CB8AC3E}">
-        <p14:creationId xmlns:p14="http://schemas.microsoft.com/office/powerpoint/2010/main" val="3146488568"/>
       </p:ext>
     </p:extLst>
   </p:cSld>
